--- a/paper/Closing the AI Accountability Gap.pptx
+++ b/paper/Closing the AI Accountability Gap.pptx
@@ -5,10 +5,10 @@
     <p:sldMasterId id="2147483648" r:id="rId4"/>
   </p:sldMasterIdLst>
   <p:notesMasterIdLst>
-    <p:notesMasterId r:id="rId18"/>
+    <p:notesMasterId r:id="rId23"/>
   </p:notesMasterIdLst>
   <p:handoutMasterIdLst>
-    <p:handoutMasterId r:id="rId19"/>
+    <p:handoutMasterId r:id="rId24"/>
   </p:handoutMasterIdLst>
   <p:sldIdLst>
     <p:sldId id="256" r:id="rId5"/>
@@ -21,9 +21,14 @@
     <p:sldId id="264" r:id="rId12"/>
     <p:sldId id="265" r:id="rId13"/>
     <p:sldId id="266" r:id="rId14"/>
-    <p:sldId id="267" r:id="rId15"/>
-    <p:sldId id="269" r:id="rId16"/>
-    <p:sldId id="268" r:id="rId17"/>
+    <p:sldId id="269" r:id="rId15"/>
+    <p:sldId id="270" r:id="rId16"/>
+    <p:sldId id="273" r:id="rId17"/>
+    <p:sldId id="276" r:id="rId18"/>
+    <p:sldId id="275" r:id="rId19"/>
+    <p:sldId id="277" r:id="rId20"/>
+    <p:sldId id="267" r:id="rId21"/>
+    <p:sldId id="268" r:id="rId22"/>
   </p:sldIdLst>
   <p:sldSz cx="9144000" cy="6858000" type="screen4x3"/>
   <p:notesSz cx="6858000" cy="9144000"/>
@@ -2461,6 +2466,83 @@
           </a:p>
         </p:txBody>
       </p:sp>
+      <p:sp>
+        <p:nvSpPr>
+          <p:cNvPr id="2" name="TextBox 1">
+            <a:extLst>
+              <a:ext uri="{FF2B5EF4-FFF2-40B4-BE49-F238E27FC236}">
+                <a16:creationId xmlns:a16="http://schemas.microsoft.com/office/drawing/2014/main" id="{481DBD72-48A6-8447-A881-ACCC9BD6F51C}"/>
+              </a:ext>
+            </a:extLst>
+          </p:cNvPr>
+          <p:cNvSpPr txBox="1"/>
+          <p:nvPr/>
+        </p:nvSpPr>
+        <p:spPr>
+          <a:xfrm>
+            <a:off x="4233606" y="6309320"/>
+            <a:ext cx="676788" cy="269304"/>
+          </a:xfrm>
+          <a:prstGeom prst="rect">
+            <a:avLst/>
+          </a:prstGeom>
+        </p:spPr>
+        <p:txBody>
+          <a:bodyPr wrap="none" rtlCol="0">
+            <a:spAutoFit/>
+          </a:bodyPr>
+          <a:lstStyle/>
+          <a:p>
+            <a:pPr marL="342900" marR="0" indent="-342900" algn="l" defTabSz="914400" rtl="0" eaLnBrk="1" fontAlgn="auto" latinLnBrk="0" hangingPunct="1">
+              <a:lnSpc>
+                <a:spcPct val="100000"/>
+              </a:lnSpc>
+              <a:spcBef>
+                <a:spcPct val="20000"/>
+              </a:spcBef>
+              <a:spcAft>
+                <a:spcPts val="0"/>
+              </a:spcAft>
+              <a:buClrTx/>
+              <a:buSzTx/>
+              <a:buFont typeface="Arial" pitchFamily="34" charset="0"/>
+              <a:buNone/>
+              <a:tabLst/>
+            </a:pPr>
+            <a:r>
+              <a:rPr kumimoji="0" lang="en-US" altLang="zh-CN" sz="1150" b="1" i="0" u="none" strike="noStrike" kern="1200" cap="none" spc="0" normalizeH="0" baseline="0" noProof="0" dirty="0">
+                <a:ln>
+                  <a:noFill/>
+                </a:ln>
+                <a:solidFill>
+                  <a:schemeClr val="tx1"/>
+                </a:solidFill>
+                <a:effectLst/>
+                <a:uLnTx/>
+                <a:uFillTx/>
+                <a:latin typeface="Sommet bold"/>
+                <a:ea typeface="+mn-ea"/>
+                <a:cs typeface="+mn-cs"/>
+              </a:rPr>
+              <a:t>2020.12</a:t>
+            </a:r>
+            <a:endParaRPr kumimoji="0" lang="en-AU" sz="1150" b="1" i="0" u="none" strike="noStrike" kern="1200" cap="none" spc="0" normalizeH="0" baseline="0" noProof="0" dirty="0">
+              <a:ln>
+                <a:noFill/>
+              </a:ln>
+              <a:solidFill>
+                <a:schemeClr val="tx1"/>
+              </a:solidFill>
+              <a:effectLst/>
+              <a:uLnTx/>
+              <a:uFillTx/>
+              <a:latin typeface="Sommet bold"/>
+              <a:ea typeface="+mn-ea"/>
+              <a:cs typeface="+mn-cs"/>
+            </a:endParaRPr>
+          </a:p>
+        </p:txBody>
+      </p:sp>
     </p:spTree>
   </p:cSld>
   <p:clrMapOvr>
@@ -2800,7 +2882,7 @@
           <p:cNvPr id="2" name="Title 1">
             <a:extLst>
               <a:ext uri="{FF2B5EF4-FFF2-40B4-BE49-F238E27FC236}">
-                <a16:creationId xmlns:a16="http://schemas.microsoft.com/office/drawing/2014/main" id="{EA302C0A-A4B1-5C46-AA0A-8400E4F92C27}"/>
+                <a16:creationId xmlns:a16="http://schemas.microsoft.com/office/drawing/2014/main" id="{72ADA7FE-CFE3-2949-8BDC-04D7D35E57D6}"/>
               </a:ext>
             </a:extLst>
           </p:cNvPr>
@@ -2818,15 +2900,7 @@
           <a:p>
             <a:r>
               <a:rPr lang="en-US" altLang="zh-CN" dirty="0"/>
-              <a:t>The</a:t>
-            </a:r>
-            <a:r>
-              <a:rPr lang="zh-CN" altLang="en-US" dirty="0"/>
-              <a:t> </a:t>
-            </a:r>
-            <a:r>
-              <a:rPr lang="en-US" altLang="zh-CN" dirty="0"/>
-              <a:t>approach</a:t>
+              <a:t>Highlights</a:t>
             </a:r>
             <a:endParaRPr lang="en-AU" dirty="0"/>
           </a:p>
@@ -2837,7 +2911,7 @@
           <p:cNvPr id="3" name="Text Placeholder 2">
             <a:extLst>
               <a:ext uri="{FF2B5EF4-FFF2-40B4-BE49-F238E27FC236}">
-                <a16:creationId xmlns:a16="http://schemas.microsoft.com/office/drawing/2014/main" id="{CB5D08E5-D6CD-7449-8C79-DFA323F0E865}"/>
+                <a16:creationId xmlns:a16="http://schemas.microsoft.com/office/drawing/2014/main" id="{414A948E-7807-6F4C-A795-713B63687AAE}"/>
               </a:ext>
             </a:extLst>
           </p:cNvPr>
@@ -2853,83 +2927,125 @@
           <a:bodyPr/>
           <a:lstStyle/>
           <a:p>
-            <a:r>
-              <a:rPr lang="en-US" altLang="zh-CN" b="1" dirty="0"/>
-              <a:t>Limitation</a:t>
-            </a:r>
-          </a:p>
-          <a:p>
             <a:pPr>
               <a:buFont typeface="Arial" panose="020B0604020202020204" pitchFamily="34" charset="0"/>
               <a:buChar char="•"/>
             </a:pPr>
             <a:r>
               <a:rPr lang="en-US" altLang="zh-CN" dirty="0"/>
-              <a:t>Internal</a:t>
-            </a:r>
-            <a:r>
-              <a:rPr lang="zh-CN" altLang="en-US" dirty="0"/>
-              <a:t> </a:t>
-            </a:r>
-            <a:r>
-              <a:rPr lang="en-US" altLang="zh-CN" dirty="0"/>
-              <a:t>audits</a:t>
-            </a:r>
-            <a:r>
-              <a:rPr lang="zh-CN" altLang="en-US" dirty="0"/>
-              <a:t> </a:t>
-            </a:r>
-            <a:r>
-              <a:rPr lang="en-US" altLang="zh-CN" dirty="0"/>
-              <a:t>are</a:t>
-            </a:r>
-            <a:r>
-              <a:rPr lang="zh-CN" altLang="en-US" dirty="0"/>
-              <a:t> </a:t>
-            </a:r>
-            <a:r>
-              <a:rPr lang="en-US" altLang="zh-CN" dirty="0"/>
-              <a:t>only</a:t>
-            </a:r>
-            <a:r>
-              <a:rPr lang="zh-CN" altLang="en-US" dirty="0"/>
-              <a:t> </a:t>
-            </a:r>
-            <a:r>
-              <a:rPr lang="en-US" altLang="zh-CN" dirty="0"/>
-              <a:t>one</a:t>
-            </a:r>
-            <a:r>
-              <a:rPr lang="zh-CN" altLang="en-US" dirty="0"/>
-              <a:t> </a:t>
-            </a:r>
-            <a:r>
-              <a:rPr lang="en-US" altLang="zh-CN" dirty="0"/>
-              <a:t>aspect</a:t>
-            </a:r>
-            <a:r>
-              <a:rPr lang="zh-CN" altLang="en-US" dirty="0"/>
-              <a:t> </a:t>
-            </a:r>
-            <a:r>
-              <a:rPr lang="en-US" altLang="zh-CN" dirty="0"/>
-              <a:t>for</a:t>
-            </a:r>
-            <a:r>
-              <a:rPr lang="zh-CN" altLang="en-US" dirty="0"/>
-              <a:t> </a:t>
-            </a:r>
-            <a:r>
-              <a:rPr lang="en-US" altLang="zh-CN" dirty="0"/>
-              <a:t>quality</a:t>
-            </a:r>
-            <a:r>
-              <a:rPr lang="zh-CN" altLang="en-US" dirty="0"/>
-              <a:t> </a:t>
-            </a:r>
-            <a:r>
-              <a:rPr lang="en-US" altLang="zh-CN" dirty="0"/>
-              <a:t>check</a:t>
+              <a:t>Companies</a:t>
+            </a:r>
+            <a:r>
+              <a:rPr lang="zh-CN" altLang="en-US" dirty="0"/>
+              <a:t> </a:t>
+            </a:r>
+            <a:r>
+              <a:rPr lang="en-US" altLang="zh-CN" dirty="0"/>
+              <a:t>needs</a:t>
+            </a:r>
+            <a:r>
+              <a:rPr lang="zh-CN" altLang="en-US" dirty="0"/>
+              <a:t> </a:t>
+            </a:r>
+            <a:r>
+              <a:rPr lang="en-US" altLang="zh-CN" dirty="0"/>
+              <a:t>audit</a:t>
+            </a:r>
+            <a:r>
+              <a:rPr lang="zh-CN" altLang="en-US" dirty="0"/>
+              <a:t> </a:t>
+            </a:r>
+            <a:r>
+              <a:rPr lang="en-US" altLang="zh-CN" dirty="0"/>
+              <a:t>to</a:t>
+            </a:r>
+            <a:r>
+              <a:rPr lang="zh-CN" altLang="en-US" dirty="0"/>
+              <a:t> </a:t>
+            </a:r>
+            <a:r>
+              <a:rPr lang="en-US" altLang="zh-CN" dirty="0"/>
+              <a:t>understand</a:t>
+            </a:r>
+            <a:r>
+              <a:rPr lang="zh-CN" altLang="en-US" dirty="0"/>
+              <a:t> </a:t>
+            </a:r>
+            <a:r>
+              <a:rPr lang="en-US" altLang="zh-CN" dirty="0"/>
+              <a:t>the</a:t>
+            </a:r>
+            <a:r>
+              <a:rPr lang="zh-CN" altLang="en-US" dirty="0"/>
+              <a:t> </a:t>
+            </a:r>
+            <a:r>
+              <a:rPr lang="en-US" altLang="zh-CN" dirty="0"/>
+              <a:t>dynamics</a:t>
+            </a:r>
+            <a:r>
+              <a:rPr lang="zh-CN" altLang="en-US" dirty="0"/>
+              <a:t> </a:t>
+            </a:r>
+            <a:r>
+              <a:rPr lang="en-US" altLang="zh-CN" dirty="0"/>
+              <a:t>of</a:t>
+            </a:r>
+            <a:r>
+              <a:rPr lang="zh-CN" altLang="en-US" dirty="0"/>
+              <a:t> </a:t>
+            </a:r>
+            <a:r>
+              <a:rPr lang="en-US" altLang="zh-CN" dirty="0"/>
+              <a:t>their</a:t>
+            </a:r>
+            <a:r>
+              <a:rPr lang="zh-CN" altLang="en-US" dirty="0"/>
+              <a:t> </a:t>
+            </a:r>
+            <a:r>
+              <a:rPr lang="en-US" altLang="zh-CN" dirty="0"/>
+              <a:t>systems,</a:t>
+            </a:r>
+            <a:r>
+              <a:rPr lang="zh-CN" altLang="en-US" dirty="0"/>
+              <a:t> </a:t>
+            </a:r>
+            <a:r>
+              <a:rPr lang="en-US" altLang="zh-CN" dirty="0"/>
+              <a:t>and</a:t>
+            </a:r>
+            <a:r>
+              <a:rPr lang="zh-CN" altLang="en-US" dirty="0"/>
+              <a:t> </a:t>
+            </a:r>
+            <a:r>
+              <a:rPr lang="en-US" altLang="zh-CN" dirty="0"/>
+              <a:t>to</a:t>
+            </a:r>
+            <a:r>
+              <a:rPr lang="zh-CN" altLang="en-US" dirty="0"/>
+              <a:t> </a:t>
+            </a:r>
+            <a:r>
+              <a:rPr lang="en-US" altLang="zh-CN" dirty="0"/>
+              <a:t>manage</a:t>
+            </a:r>
+            <a:r>
+              <a:rPr lang="zh-CN" altLang="en-US" dirty="0"/>
+              <a:t> </a:t>
+            </a:r>
+            <a:r>
+              <a:rPr lang="en-US" altLang="zh-CN" dirty="0"/>
+              <a:t>the</a:t>
+            </a:r>
+            <a:r>
+              <a:rPr lang="zh-CN" altLang="en-US" dirty="0"/>
+              <a:t> </a:t>
+            </a:r>
+            <a:r>
+              <a:rPr lang="en-US" altLang="zh-CN" dirty="0"/>
+              <a:t>impact.</a:t>
             </a:r>
           </a:p>
           <a:p>
@@ -2939,106 +3055,173 @@
             </a:pPr>
             <a:r>
               <a:rPr lang="en-US" altLang="zh-CN" dirty="0"/>
-              <a:t>Important</a:t>
-            </a:r>
-            <a:r>
-              <a:rPr lang="zh-CN" altLang="en-US" dirty="0"/>
-              <a:t> </a:t>
-            </a:r>
-            <a:r>
-              <a:rPr lang="en-US" altLang="zh-CN" dirty="0"/>
-              <a:t>to</a:t>
-            </a:r>
-            <a:r>
-              <a:rPr lang="zh-CN" altLang="en-US" dirty="0"/>
-              <a:t> </a:t>
-            </a:r>
-            <a:r>
-              <a:rPr lang="en-US" altLang="zh-CN" dirty="0"/>
-              <a:t>maintain</a:t>
-            </a:r>
-            <a:r>
-              <a:rPr lang="zh-CN" altLang="en-US" dirty="0"/>
-              <a:t> </a:t>
-            </a:r>
-            <a:r>
-              <a:rPr lang="en-US" altLang="zh-CN" dirty="0"/>
-              <a:t>an</a:t>
-            </a:r>
-            <a:r>
-              <a:rPr lang="zh-CN" altLang="en-US" dirty="0"/>
-              <a:t> </a:t>
-            </a:r>
-            <a:r>
-              <a:rPr lang="en-US" altLang="zh-CN" dirty="0"/>
-              <a:t>independent</a:t>
-            </a:r>
-            <a:r>
-              <a:rPr lang="zh-CN" altLang="en-US" dirty="0"/>
-              <a:t> </a:t>
-            </a:r>
-            <a:r>
-              <a:rPr lang="en-US" altLang="zh-CN" dirty="0"/>
-              <a:t>and</a:t>
-            </a:r>
-            <a:r>
-              <a:rPr lang="zh-CN" altLang="en-US" dirty="0"/>
-              <a:t> </a:t>
-            </a:r>
-            <a:r>
-              <a:rPr lang="en-US" altLang="zh-CN" dirty="0"/>
-              <a:t>objective</a:t>
-            </a:r>
-            <a:r>
-              <a:rPr lang="zh-CN" altLang="en-US" dirty="0"/>
-              <a:t> </a:t>
-            </a:r>
-            <a:r>
-              <a:rPr lang="en-US" altLang="zh-CN" dirty="0"/>
-              <a:t>viewpoint</a:t>
-            </a:r>
+              <a:t>Internal</a:t>
+            </a:r>
+            <a:r>
+              <a:rPr lang="zh-CN" altLang="en-US" dirty="0"/>
+              <a:t> </a:t>
+            </a:r>
+            <a:r>
+              <a:rPr lang="en-US" altLang="zh-CN" dirty="0"/>
+              <a:t>audit</a:t>
+            </a:r>
+            <a:r>
+              <a:rPr lang="zh-CN" altLang="en-US" dirty="0"/>
+              <a:t> </a:t>
+            </a:r>
+            <a:r>
+              <a:rPr lang="en-US" altLang="zh-CN" dirty="0"/>
+              <a:t>in</a:t>
+            </a:r>
+            <a:r>
+              <a:rPr lang="zh-CN" altLang="en-US" dirty="0"/>
+              <a:t> </a:t>
+            </a:r>
+            <a:r>
+              <a:rPr lang="en-US" altLang="zh-CN" dirty="0"/>
+              <a:t>this</a:t>
+            </a:r>
+            <a:r>
+              <a:rPr lang="zh-CN" altLang="en-US" dirty="0"/>
+              <a:t> </a:t>
+            </a:r>
+            <a:r>
+              <a:rPr lang="en-US" altLang="zh-CN" dirty="0"/>
+              <a:t>case,</a:t>
+            </a:r>
+            <a:r>
+              <a:rPr lang="zh-CN" altLang="en-US" dirty="0"/>
+              <a:t> </a:t>
+            </a:r>
+            <a:r>
+              <a:rPr lang="en-US" altLang="zh-CN" dirty="0"/>
+              <a:t>as</a:t>
+            </a:r>
+            <a:r>
+              <a:rPr lang="zh-CN" altLang="en-US" dirty="0"/>
+              <a:t> </a:t>
+            </a:r>
+            <a:r>
+              <a:rPr lang="en-US" altLang="zh-CN" dirty="0"/>
+              <a:t>it:</a:t>
+            </a:r>
+            <a:endParaRPr lang="en-AU" altLang="zh-CN" dirty="0"/>
+          </a:p>
+          <a:p>
+            <a:pPr lvl="2">
+              <a:buFont typeface="Arial" panose="020B0604020202020204" pitchFamily="34" charset="0"/>
+              <a:buChar char="•"/>
+            </a:pPr>
+            <a:r>
+              <a:rPr lang="en-US" altLang="zh-CN" dirty="0"/>
+              <a:t>operate</a:t>
+            </a:r>
+            <a:r>
+              <a:rPr lang="zh-CN" altLang="en-US" dirty="0"/>
+              <a:t> </a:t>
+            </a:r>
+            <a:r>
+              <a:rPr lang="en-US" altLang="zh-CN" dirty="0"/>
+              <a:t>within</a:t>
+            </a:r>
+            <a:r>
+              <a:rPr lang="zh-CN" altLang="en-US" dirty="0"/>
+              <a:t> </a:t>
+            </a:r>
+            <a:r>
+              <a:rPr lang="en-US" altLang="zh-CN" dirty="0"/>
+              <a:t>the</a:t>
+            </a:r>
+            <a:r>
+              <a:rPr lang="zh-CN" altLang="en-US" dirty="0"/>
+              <a:t> </a:t>
+            </a:r>
+            <a:r>
+              <a:rPr lang="en-US" altLang="zh-CN" dirty="0"/>
+              <a:t>development</a:t>
+            </a:r>
+            <a:r>
+              <a:rPr lang="zh-CN" altLang="en-US" dirty="0"/>
+              <a:t> </a:t>
+            </a:r>
+            <a:r>
+              <a:rPr lang="en-US" altLang="zh-CN" dirty="0"/>
+              <a:t>context</a:t>
+            </a:r>
+            <a:endParaRPr lang="en-AU" altLang="zh-CN" dirty="0"/>
+          </a:p>
+          <a:p>
+            <a:pPr lvl="2">
+              <a:buFont typeface="Arial" panose="020B0604020202020204" pitchFamily="34" charset="0"/>
+              <a:buChar char="•"/>
+            </a:pPr>
+            <a:r>
+              <a:rPr lang="en-US" altLang="zh-CN" dirty="0"/>
+              <a:t>inform</a:t>
+            </a:r>
+            <a:r>
+              <a:rPr lang="zh-CN" altLang="en-US" dirty="0"/>
+              <a:t> </a:t>
+            </a:r>
+            <a:r>
+              <a:rPr lang="en-US" altLang="zh-CN" dirty="0"/>
+              <a:t>when</a:t>
+            </a:r>
+            <a:r>
+              <a:rPr lang="zh-CN" altLang="en-US" dirty="0"/>
+              <a:t> </a:t>
+            </a:r>
+            <a:r>
+              <a:rPr lang="en-US" altLang="zh-CN" dirty="0"/>
+              <a:t>risks</a:t>
+            </a:r>
+            <a:r>
+              <a:rPr lang="zh-CN" altLang="en-US" dirty="0"/>
+              <a:t> </a:t>
+            </a:r>
+            <a:r>
+              <a:rPr lang="en-US" altLang="zh-CN" dirty="0"/>
+              <a:t>outweigh</a:t>
+            </a:r>
+            <a:r>
+              <a:rPr lang="zh-CN" altLang="en-US" dirty="0"/>
+              <a:t> </a:t>
+            </a:r>
+            <a:r>
+              <a:rPr lang="en-US" altLang="zh-CN" dirty="0"/>
+              <a:t>the</a:t>
+            </a:r>
+            <a:r>
+              <a:rPr lang="zh-CN" altLang="en-US" dirty="0"/>
+              <a:t> </a:t>
+            </a:r>
+            <a:r>
+              <a:rPr lang="en-US" altLang="zh-CN" dirty="0"/>
+              <a:t>benefits</a:t>
+            </a:r>
+            <a:r>
+              <a:rPr lang="zh-CN" altLang="en-US" dirty="0"/>
+              <a:t> </a:t>
+            </a:r>
+            <a:r>
+              <a:rPr lang="en-US" altLang="zh-CN" b="1" dirty="0"/>
+              <a:t>before</a:t>
+            </a:r>
+            <a:r>
+              <a:rPr lang="zh-CN" altLang="en-US" b="1" dirty="0"/>
+              <a:t> </a:t>
+            </a:r>
+            <a:r>
+              <a:rPr lang="en-US" altLang="zh-CN" dirty="0"/>
+              <a:t>deployment</a:t>
+            </a:r>
+            <a:endParaRPr lang="en-US" altLang="zh-CN" b="1" dirty="0"/>
           </a:p>
           <a:p>
             <a:pPr>
               <a:buFont typeface="Arial" panose="020B0604020202020204" pitchFamily="34" charset="0"/>
               <a:buChar char="•"/>
             </a:pPr>
-            <a:r>
-              <a:rPr lang="en-US" altLang="zh-CN" dirty="0"/>
-              <a:t>Audits</a:t>
-            </a:r>
-            <a:r>
-              <a:rPr lang="zh-CN" altLang="en-US" dirty="0"/>
-              <a:t> </a:t>
-            </a:r>
-            <a:r>
-              <a:rPr lang="en-US" altLang="zh-CN" dirty="0"/>
-              <a:t>need</a:t>
-            </a:r>
-            <a:r>
-              <a:rPr lang="zh-CN" altLang="en-US" dirty="0"/>
-              <a:t> </a:t>
-            </a:r>
-            <a:r>
-              <a:rPr lang="en-US" altLang="zh-CN" dirty="0"/>
-              <a:t>to</a:t>
-            </a:r>
-            <a:r>
-              <a:rPr lang="zh-CN" altLang="en-US" dirty="0"/>
-              <a:t> </a:t>
-            </a:r>
-            <a:r>
-              <a:rPr lang="en-US" altLang="zh-CN" dirty="0"/>
-              <a:t>understand</a:t>
-            </a:r>
-            <a:r>
-              <a:rPr lang="zh-CN" altLang="en-US" dirty="0"/>
-              <a:t> </a:t>
-            </a:r>
-            <a:r>
-              <a:rPr lang="en-US" altLang="zh-CN" dirty="0"/>
-              <a:t>context</a:t>
-            </a:r>
             <a:endParaRPr lang="en-AU" dirty="0"/>
           </a:p>
         </p:txBody>
@@ -3048,7 +3231,7 @@
           <p:cNvPr id="4" name="Slide Number Placeholder 3">
             <a:extLst>
               <a:ext uri="{FF2B5EF4-FFF2-40B4-BE49-F238E27FC236}">
-                <a16:creationId xmlns:a16="http://schemas.microsoft.com/office/drawing/2014/main" id="{0FE7D9C3-2E06-CB4D-8B09-B3ED85041BAD}"/>
+                <a16:creationId xmlns:a16="http://schemas.microsoft.com/office/drawing/2014/main" id="{BD0A8483-3169-8248-AB06-75A549DC97CC}"/>
               </a:ext>
             </a:extLst>
           </p:cNvPr>
@@ -3076,7 +3259,7 @@
     </p:spTree>
     <p:extLst>
       <p:ext uri="{BB962C8B-B14F-4D97-AF65-F5344CB8AC3E}">
-        <p14:creationId xmlns:p14="http://schemas.microsoft.com/office/powerpoint/2010/main" val="3790390799"/>
+        <p14:creationId xmlns:p14="http://schemas.microsoft.com/office/powerpoint/2010/main" val="964342805"/>
       </p:ext>
     </p:extLst>
   </p:cSld>
@@ -3153,6 +3336,10 @@
           <a:bodyPr/>
           <a:lstStyle/>
           <a:p>
+            <a:pPr>
+              <a:buFont typeface="Arial" panose="020B0604020202020204" pitchFamily="34" charset="0"/>
+              <a:buChar char="•"/>
+            </a:pPr>
             <a:r>
               <a:rPr lang="en-US" altLang="zh-CN" dirty="0"/>
               <a:t>An</a:t>
@@ -3753,23 +3940,19 @@
               <a:t> </a:t>
             </a:r>
             <a:r>
-              <a:rPr lang="en-US" altLang="zh-CN" sz="1150" b="1">
+              <a:rPr lang="en-US" altLang="zh-CN" sz="1150" b="1" dirty="0">
                 <a:latin typeface="Sommet bold"/>
                 <a:ea typeface="+mn-ea"/>
               </a:rPr>
               <a:t>2020)</a:t>
             </a:r>
-            <a:endParaRPr lang="en-US" altLang="zh-CN" sz="1150" b="1" dirty="0">
-              <a:latin typeface="Sommet bold"/>
-              <a:ea typeface="+mn-ea"/>
-            </a:endParaRPr>
           </a:p>
         </p:txBody>
       </p:sp>
     </p:spTree>
     <p:extLst>
       <p:ext uri="{BB962C8B-B14F-4D97-AF65-F5344CB8AC3E}">
-        <p14:creationId xmlns:p14="http://schemas.microsoft.com/office/powerpoint/2010/main" val="964342805"/>
+        <p14:creationId xmlns:p14="http://schemas.microsoft.com/office/powerpoint/2010/main" val="703199334"/>
       </p:ext>
     </p:extLst>
   </p:cSld>
@@ -3780,6 +3963,2208 @@
 </file>
 
 <file path=ppt/slides/slide13.xml><?xml version="1.0" encoding="utf-8"?>
+<p:sld xmlns:a="http://schemas.openxmlformats.org/drawingml/2006/main" xmlns:r="http://schemas.openxmlformats.org/officeDocument/2006/relationships" xmlns:p="http://schemas.openxmlformats.org/presentationml/2006/main">
+  <p:cSld>
+    <p:spTree>
+      <p:nvGrpSpPr>
+        <p:cNvPr id="1" name=""/>
+        <p:cNvGrpSpPr/>
+        <p:nvPr/>
+      </p:nvGrpSpPr>
+      <p:grpSpPr>
+        <a:xfrm>
+          <a:off x="0" y="0"/>
+          <a:ext cx="0" cy="0"/>
+          <a:chOff x="0" y="0"/>
+          <a:chExt cx="0" cy="0"/>
+        </a:xfrm>
+      </p:grpSpPr>
+      <p:sp>
+        <p:nvSpPr>
+          <p:cNvPr id="2" name="Title 1">
+            <a:extLst>
+              <a:ext uri="{FF2B5EF4-FFF2-40B4-BE49-F238E27FC236}">
+                <a16:creationId xmlns:a16="http://schemas.microsoft.com/office/drawing/2014/main" id="{0DCF1AAD-9588-564B-AFD1-D339FB2A9322}"/>
+              </a:ext>
+            </a:extLst>
+          </p:cNvPr>
+          <p:cNvSpPr>
+            <a:spLocks noGrp="1"/>
+          </p:cNvSpPr>
+          <p:nvPr>
+            <p:ph type="title"/>
+          </p:nvPr>
+        </p:nvSpPr>
+        <p:spPr/>
+        <p:txBody>
+          <a:bodyPr/>
+          <a:lstStyle/>
+          <a:p>
+            <a:r>
+              <a:rPr lang="en-US" altLang="zh-CN" dirty="0"/>
+              <a:t>Highlights</a:t>
+            </a:r>
+            <a:endParaRPr lang="en-AU" dirty="0"/>
+          </a:p>
+        </p:txBody>
+      </p:sp>
+      <p:sp>
+        <p:nvSpPr>
+          <p:cNvPr id="3" name="Text Placeholder 2">
+            <a:extLst>
+              <a:ext uri="{FF2B5EF4-FFF2-40B4-BE49-F238E27FC236}">
+                <a16:creationId xmlns:a16="http://schemas.microsoft.com/office/drawing/2014/main" id="{17ABA81D-4322-984D-AD45-B180D7E3FE62}"/>
+              </a:ext>
+            </a:extLst>
+          </p:cNvPr>
+          <p:cNvSpPr>
+            <a:spLocks noGrp="1"/>
+          </p:cNvSpPr>
+          <p:nvPr>
+            <p:ph type="body" idx="10"/>
+          </p:nvPr>
+        </p:nvSpPr>
+        <p:spPr/>
+        <p:txBody>
+          <a:bodyPr/>
+          <a:lstStyle/>
+          <a:p>
+            <a:r>
+              <a:rPr lang="en-US" altLang="zh-CN" dirty="0"/>
+              <a:t>The</a:t>
+            </a:r>
+            <a:r>
+              <a:rPr lang="zh-CN" altLang="en-US" dirty="0"/>
+              <a:t> </a:t>
+            </a:r>
+            <a:r>
+              <a:rPr lang="en-US" altLang="zh-CN" dirty="0"/>
+              <a:t>document</a:t>
+            </a:r>
+            <a:r>
+              <a:rPr lang="zh-CN" altLang="en-US" dirty="0"/>
+              <a:t> </a:t>
+            </a:r>
+            <a:r>
+              <a:rPr lang="en-US" altLang="zh-CN" dirty="0"/>
+              <a:t>provided</a:t>
+            </a:r>
+            <a:r>
+              <a:rPr lang="zh-CN" altLang="en-US" dirty="0"/>
+              <a:t> </a:t>
+            </a:r>
+            <a:r>
+              <a:rPr lang="en-US" altLang="zh-CN" dirty="0"/>
+              <a:t>by</a:t>
+            </a:r>
+            <a:r>
+              <a:rPr lang="zh-CN" altLang="en-US" dirty="0"/>
+              <a:t> </a:t>
+            </a:r>
+            <a:r>
+              <a:rPr lang="en-US" altLang="zh-CN" dirty="0"/>
+              <a:t>engineering</a:t>
+            </a:r>
+            <a:r>
+              <a:rPr lang="zh-CN" altLang="en-US" dirty="0"/>
+              <a:t> </a:t>
+            </a:r>
+            <a:r>
+              <a:rPr lang="en-US" altLang="zh-CN" dirty="0"/>
+              <a:t>team</a:t>
+            </a:r>
+            <a:r>
+              <a:rPr lang="zh-CN" altLang="en-US" dirty="0"/>
+              <a:t> </a:t>
+            </a:r>
+            <a:r>
+              <a:rPr lang="en-US" altLang="zh-CN" dirty="0"/>
+              <a:t>can</a:t>
+            </a:r>
+            <a:r>
+              <a:rPr lang="zh-CN" altLang="en-US" dirty="0"/>
+              <a:t> </a:t>
+            </a:r>
+            <a:r>
+              <a:rPr lang="en-US" altLang="zh-CN" dirty="0"/>
+              <a:t>be</a:t>
+            </a:r>
+            <a:r>
+              <a:rPr lang="zh-CN" altLang="en-US" dirty="0"/>
+              <a:t> </a:t>
+            </a:r>
+            <a:r>
+              <a:rPr lang="en-US" altLang="zh-CN" dirty="0"/>
+              <a:t>used</a:t>
+            </a:r>
+            <a:r>
+              <a:rPr lang="zh-CN" altLang="en-US" dirty="0"/>
+              <a:t> </a:t>
+            </a:r>
+            <a:r>
+              <a:rPr lang="en-US" altLang="zh-CN" dirty="0"/>
+              <a:t>as</a:t>
+            </a:r>
+            <a:r>
+              <a:rPr lang="zh-CN" altLang="en-US" dirty="0"/>
+              <a:t> </a:t>
+            </a:r>
+            <a:r>
+              <a:rPr lang="en-US" altLang="zh-CN" dirty="0"/>
+              <a:t>a</a:t>
+            </a:r>
+            <a:r>
+              <a:rPr lang="zh-CN" altLang="en-US" dirty="0"/>
+              <a:t> </a:t>
+            </a:r>
+            <a:r>
+              <a:rPr lang="en-US" altLang="zh-CN" dirty="0"/>
+              <a:t>guidance</a:t>
+            </a:r>
+            <a:r>
+              <a:rPr lang="zh-CN" altLang="en-US" dirty="0"/>
+              <a:t> </a:t>
+            </a:r>
+            <a:r>
+              <a:rPr lang="en-US" altLang="zh-CN" dirty="0"/>
+              <a:t>for</a:t>
+            </a:r>
+            <a:r>
+              <a:rPr lang="zh-CN" altLang="en-US" dirty="0"/>
+              <a:t> </a:t>
+            </a:r>
+            <a:r>
+              <a:rPr lang="en-US" altLang="zh-CN" dirty="0"/>
+              <a:t>the</a:t>
+            </a:r>
+            <a:r>
+              <a:rPr lang="zh-CN" altLang="en-US" dirty="0"/>
+              <a:t> </a:t>
+            </a:r>
+            <a:r>
+              <a:rPr lang="en-US" altLang="zh-CN" dirty="0"/>
+              <a:t>team</a:t>
+            </a:r>
+            <a:r>
+              <a:rPr lang="zh-CN" altLang="en-US" dirty="0"/>
+              <a:t> </a:t>
+            </a:r>
+            <a:r>
+              <a:rPr lang="en-US" altLang="zh-CN" dirty="0"/>
+              <a:t>later</a:t>
+            </a:r>
+          </a:p>
+        </p:txBody>
+      </p:sp>
+      <p:sp>
+        <p:nvSpPr>
+          <p:cNvPr id="4" name="Slide Number Placeholder 3">
+            <a:extLst>
+              <a:ext uri="{FF2B5EF4-FFF2-40B4-BE49-F238E27FC236}">
+                <a16:creationId xmlns:a16="http://schemas.microsoft.com/office/drawing/2014/main" id="{41550A6E-0470-B741-A299-81ECCF95490D}"/>
+              </a:ext>
+            </a:extLst>
+          </p:cNvPr>
+          <p:cNvSpPr>
+            <a:spLocks noGrp="1"/>
+          </p:cNvSpPr>
+          <p:nvPr>
+            <p:ph type="sldNum" sz="quarter" idx="11"/>
+          </p:nvPr>
+        </p:nvSpPr>
+        <p:spPr/>
+        <p:txBody>
+          <a:bodyPr/>
+          <a:lstStyle/>
+          <a:p>
+            <a:fld id="{5C213CF7-9790-6548-95A9-51DD9168E4DE}" type="slidenum">
+              <a:rPr lang="en-US" smtClean="0"/>
+              <a:pPr/>
+              <a:t>12</a:t>
+            </a:fld>
+            <a:endParaRPr lang="en-US" dirty="0"/>
+          </a:p>
+        </p:txBody>
+      </p:sp>
+      <p:pic>
+        <p:nvPicPr>
+          <p:cNvPr id="5" name="Picture 4">
+            <a:extLst>
+              <a:ext uri="{FF2B5EF4-FFF2-40B4-BE49-F238E27FC236}">
+                <a16:creationId xmlns:a16="http://schemas.microsoft.com/office/drawing/2014/main" id="{29E40EA8-0E6B-9249-9642-B87A3860426B}"/>
+              </a:ext>
+            </a:extLst>
+          </p:cNvPr>
+          <p:cNvPicPr>
+            <a:picLocks noChangeAspect="1"/>
+          </p:cNvPicPr>
+          <p:nvPr/>
+        </p:nvPicPr>
+        <p:blipFill>
+          <a:blip r:embed="rId2"/>
+          <a:stretch>
+            <a:fillRect/>
+          </a:stretch>
+        </p:blipFill>
+        <p:spPr>
+          <a:xfrm>
+            <a:off x="466725" y="1772816"/>
+            <a:ext cx="8213777" cy="3312368"/>
+          </a:xfrm>
+          <a:prstGeom prst="rect">
+            <a:avLst/>
+          </a:prstGeom>
+          <a:ln>
+            <a:noFill/>
+          </a:ln>
+          <a:effectLst>
+            <a:outerShdw blurRad="292100" dist="139700" dir="2700000" algn="tl" rotWithShape="0">
+              <a:srgbClr val="333333">
+                <a:alpha val="65000"/>
+              </a:srgbClr>
+            </a:outerShdw>
+          </a:effectLst>
+        </p:spPr>
+      </p:pic>
+      <p:sp>
+        <p:nvSpPr>
+          <p:cNvPr id="6" name="TextBox 5">
+            <a:extLst>
+              <a:ext uri="{FF2B5EF4-FFF2-40B4-BE49-F238E27FC236}">
+                <a16:creationId xmlns:a16="http://schemas.microsoft.com/office/drawing/2014/main" id="{BB2BD3C3-3FBC-6E4B-830D-4AA5C6E90EA7}"/>
+              </a:ext>
+            </a:extLst>
+          </p:cNvPr>
+          <p:cNvSpPr txBox="1"/>
+          <p:nvPr/>
+        </p:nvSpPr>
+        <p:spPr>
+          <a:xfrm>
+            <a:off x="2628198" y="5190319"/>
+            <a:ext cx="3887603" cy="269304"/>
+          </a:xfrm>
+          <a:prstGeom prst="rect">
+            <a:avLst/>
+          </a:prstGeom>
+        </p:spPr>
+        <p:txBody>
+          <a:bodyPr wrap="none" rtlCol="0">
+            <a:spAutoFit/>
+          </a:bodyPr>
+          <a:lstStyle/>
+          <a:p>
+            <a:pPr marL="342900" indent="-342900" algn="ctr" fontAlgn="auto">
+              <a:spcBef>
+                <a:spcPct val="20000"/>
+              </a:spcBef>
+              <a:spcAft>
+                <a:spcPts val="0"/>
+              </a:spcAft>
+            </a:pPr>
+            <a:r>
+              <a:rPr kumimoji="0" lang="en-US" altLang="zh-CN" sz="1150" b="1" i="0" u="none" strike="noStrike" kern="1200" cap="none" spc="0" normalizeH="0" baseline="0" noProof="0" dirty="0">
+                <a:ln>
+                  <a:noFill/>
+                </a:ln>
+                <a:solidFill>
+                  <a:schemeClr val="tx1"/>
+                </a:solidFill>
+                <a:effectLst/>
+                <a:uLnTx/>
+                <a:uFillTx/>
+                <a:latin typeface="Sommet bold"/>
+                <a:ea typeface="+mn-ea"/>
+                <a:cs typeface="+mn-cs"/>
+              </a:rPr>
+              <a:t>Figure</a:t>
+            </a:r>
+            <a:r>
+              <a:rPr kumimoji="0" lang="zh-CN" altLang="en-US" sz="1150" b="1" i="0" u="none" strike="noStrike" kern="1200" cap="none" spc="0" normalizeH="0" baseline="0" noProof="0" dirty="0">
+                <a:ln>
+                  <a:noFill/>
+                </a:ln>
+                <a:solidFill>
+                  <a:schemeClr val="tx1"/>
+                </a:solidFill>
+                <a:effectLst/>
+                <a:uLnTx/>
+                <a:uFillTx/>
+                <a:latin typeface="Sommet bold"/>
+                <a:ea typeface="+mn-ea"/>
+                <a:cs typeface="+mn-cs"/>
+              </a:rPr>
+              <a:t> </a:t>
+            </a:r>
+            <a:r>
+              <a:rPr kumimoji="0" lang="en-US" altLang="zh-CN" sz="1150" b="1" i="0" u="none" strike="noStrike" kern="1200" cap="none" spc="0" normalizeH="0" baseline="0" noProof="0" dirty="0">
+                <a:ln>
+                  <a:noFill/>
+                </a:ln>
+                <a:solidFill>
+                  <a:schemeClr val="tx1"/>
+                </a:solidFill>
+                <a:effectLst/>
+                <a:uLnTx/>
+                <a:uFillTx/>
+                <a:latin typeface="Sommet bold"/>
+                <a:ea typeface="+mn-ea"/>
+                <a:cs typeface="+mn-cs"/>
+              </a:rPr>
+              <a:t>3:</a:t>
+            </a:r>
+            <a:r>
+              <a:rPr kumimoji="0" lang="zh-CN" altLang="en-US" sz="1150" b="1" i="0" u="none" strike="noStrike" kern="1200" cap="none" spc="0" normalizeH="0" baseline="0" noProof="0" dirty="0">
+                <a:ln>
+                  <a:noFill/>
+                </a:ln>
+                <a:solidFill>
+                  <a:schemeClr val="tx1"/>
+                </a:solidFill>
+                <a:effectLst/>
+                <a:uLnTx/>
+                <a:uFillTx/>
+                <a:latin typeface="Sommet bold"/>
+                <a:ea typeface="+mn-ea"/>
+                <a:cs typeface="+mn-cs"/>
+              </a:rPr>
+              <a:t> </a:t>
+            </a:r>
+            <a:r>
+              <a:rPr lang="en-US" altLang="zh-CN" sz="1150" b="1" dirty="0">
+                <a:latin typeface="Sommet bold"/>
+                <a:ea typeface="+mn-ea"/>
+              </a:rPr>
+              <a:t>An</a:t>
+            </a:r>
+            <a:r>
+              <a:rPr lang="zh-CN" altLang="en-US" sz="1150" b="1" dirty="0">
+                <a:latin typeface="Sommet bold"/>
+                <a:ea typeface="+mn-ea"/>
+              </a:rPr>
+              <a:t> </a:t>
+            </a:r>
+            <a:r>
+              <a:rPr lang="en-US" altLang="zh-CN" sz="1150" b="1" dirty="0">
+                <a:latin typeface="Sommet bold"/>
+                <a:ea typeface="+mn-ea"/>
+              </a:rPr>
+              <a:t>sample</a:t>
+            </a:r>
+            <a:r>
+              <a:rPr lang="zh-CN" altLang="en-US" sz="1150" b="1" dirty="0">
+                <a:latin typeface="Sommet bold"/>
+                <a:ea typeface="+mn-ea"/>
+              </a:rPr>
+              <a:t> </a:t>
+            </a:r>
+            <a:r>
+              <a:rPr lang="en-US" altLang="zh-CN" sz="1150" b="1" dirty="0">
+                <a:latin typeface="Sommet bold"/>
+                <a:ea typeface="+mn-ea"/>
+              </a:rPr>
+              <a:t>A.I.</a:t>
+            </a:r>
+            <a:r>
+              <a:rPr lang="zh-CN" altLang="en-US" sz="1150" b="1" dirty="0">
+                <a:latin typeface="Sommet bold"/>
+                <a:ea typeface="+mn-ea"/>
+              </a:rPr>
+              <a:t> </a:t>
+            </a:r>
+            <a:r>
+              <a:rPr lang="en-US" altLang="zh-CN" sz="1150" b="1" dirty="0">
+                <a:latin typeface="Sommet bold"/>
+                <a:ea typeface="+mn-ea"/>
+              </a:rPr>
+              <a:t>principle</a:t>
+            </a:r>
+            <a:r>
+              <a:rPr lang="zh-CN" altLang="en-US" sz="1150" b="1" dirty="0">
+                <a:latin typeface="Sommet bold"/>
+                <a:ea typeface="+mn-ea"/>
+              </a:rPr>
+              <a:t> </a:t>
+            </a:r>
+            <a:r>
+              <a:rPr lang="en-US" altLang="zh-CN" sz="1150" b="1" dirty="0">
+                <a:latin typeface="Sommet bold"/>
+                <a:ea typeface="+mn-ea"/>
+              </a:rPr>
+              <a:t>document</a:t>
+            </a:r>
+            <a:r>
+              <a:rPr lang="zh-CN" altLang="en-US" sz="1150" b="1" dirty="0">
+                <a:latin typeface="Sommet bold"/>
+                <a:ea typeface="+mn-ea"/>
+              </a:rPr>
+              <a:t> </a:t>
+            </a:r>
+            <a:r>
+              <a:rPr lang="en-US" altLang="zh-CN" sz="1150" b="1" dirty="0">
+                <a:latin typeface="Sommet bold"/>
+              </a:rPr>
+              <a:t>(Raji</a:t>
+            </a:r>
+            <a:r>
+              <a:rPr lang="zh-CN" altLang="en-US" sz="1150" b="1" dirty="0">
+                <a:latin typeface="Sommet bold"/>
+              </a:rPr>
+              <a:t> </a:t>
+            </a:r>
+            <a:r>
+              <a:rPr lang="en-US" altLang="zh-CN" sz="1150" b="1" dirty="0">
+                <a:latin typeface="Sommet bold"/>
+              </a:rPr>
+              <a:t>et</a:t>
+            </a:r>
+            <a:r>
+              <a:rPr lang="zh-CN" altLang="en-US" sz="1150" b="1" dirty="0">
+                <a:latin typeface="Sommet bold"/>
+              </a:rPr>
+              <a:t> </a:t>
+            </a:r>
+            <a:r>
+              <a:rPr lang="en-US" altLang="zh-CN" sz="1150" b="1" dirty="0">
+                <a:latin typeface="Sommet bold"/>
+              </a:rPr>
+              <a:t>al.</a:t>
+            </a:r>
+            <a:r>
+              <a:rPr lang="zh-CN" altLang="en-US" sz="1150" b="1" dirty="0">
+                <a:latin typeface="Sommet bold"/>
+              </a:rPr>
+              <a:t> </a:t>
+            </a:r>
+            <a:r>
+              <a:rPr lang="en-US" altLang="zh-CN" sz="1150" b="1" dirty="0">
+                <a:latin typeface="Sommet bold"/>
+              </a:rPr>
+              <a:t>2020)</a:t>
+            </a:r>
+            <a:endParaRPr lang="en-US" altLang="zh-CN" sz="1150" b="1" dirty="0">
+              <a:latin typeface="Sommet bold"/>
+              <a:ea typeface="+mn-ea"/>
+            </a:endParaRPr>
+          </a:p>
+        </p:txBody>
+      </p:sp>
+    </p:spTree>
+    <p:extLst>
+      <p:ext uri="{BB962C8B-B14F-4D97-AF65-F5344CB8AC3E}">
+        <p14:creationId xmlns:p14="http://schemas.microsoft.com/office/powerpoint/2010/main" val="899741234"/>
+      </p:ext>
+    </p:extLst>
+  </p:cSld>
+  <p:clrMapOvr>
+    <a:masterClrMapping/>
+  </p:clrMapOvr>
+</p:sld>
+</file>
+
+<file path=ppt/slides/slide14.xml><?xml version="1.0" encoding="utf-8"?>
+<p:sld xmlns:a="http://schemas.openxmlformats.org/drawingml/2006/main" xmlns:r="http://schemas.openxmlformats.org/officeDocument/2006/relationships" xmlns:p="http://schemas.openxmlformats.org/presentationml/2006/main">
+  <p:cSld>
+    <p:spTree>
+      <p:nvGrpSpPr>
+        <p:cNvPr id="1" name=""/>
+        <p:cNvGrpSpPr/>
+        <p:nvPr/>
+      </p:nvGrpSpPr>
+      <p:grpSpPr>
+        <a:xfrm>
+          <a:off x="0" y="0"/>
+          <a:ext cx="0" cy="0"/>
+          <a:chOff x="0" y="0"/>
+          <a:chExt cx="0" cy="0"/>
+        </a:xfrm>
+      </p:grpSpPr>
+      <p:sp>
+        <p:nvSpPr>
+          <p:cNvPr id="2" name="Title 1">
+            <a:extLst>
+              <a:ext uri="{FF2B5EF4-FFF2-40B4-BE49-F238E27FC236}">
+                <a16:creationId xmlns:a16="http://schemas.microsoft.com/office/drawing/2014/main" id="{0DCF1AAD-9588-564B-AFD1-D339FB2A9322}"/>
+              </a:ext>
+            </a:extLst>
+          </p:cNvPr>
+          <p:cNvSpPr>
+            <a:spLocks noGrp="1"/>
+          </p:cNvSpPr>
+          <p:nvPr>
+            <p:ph type="title"/>
+          </p:nvPr>
+        </p:nvSpPr>
+        <p:spPr>
+          <a:xfrm>
+            <a:off x="468313" y="112475"/>
+            <a:ext cx="8208962" cy="461962"/>
+          </a:xfrm>
+        </p:spPr>
+        <p:txBody>
+          <a:bodyPr/>
+          <a:lstStyle/>
+          <a:p>
+            <a:r>
+              <a:rPr lang="en-US" altLang="zh-CN" dirty="0"/>
+              <a:t>Highlights</a:t>
+            </a:r>
+            <a:endParaRPr lang="en-AU" dirty="0"/>
+          </a:p>
+        </p:txBody>
+      </p:sp>
+      <p:sp>
+        <p:nvSpPr>
+          <p:cNvPr id="3" name="Text Placeholder 2">
+            <a:extLst>
+              <a:ext uri="{FF2B5EF4-FFF2-40B4-BE49-F238E27FC236}">
+                <a16:creationId xmlns:a16="http://schemas.microsoft.com/office/drawing/2014/main" id="{17ABA81D-4322-984D-AD45-B180D7E3FE62}"/>
+              </a:ext>
+            </a:extLst>
+          </p:cNvPr>
+          <p:cNvSpPr>
+            <a:spLocks noGrp="1"/>
+          </p:cNvSpPr>
+          <p:nvPr>
+            <p:ph type="body" idx="10"/>
+          </p:nvPr>
+        </p:nvSpPr>
+        <p:spPr>
+          <a:xfrm>
+            <a:off x="467457" y="672678"/>
+            <a:ext cx="8208962" cy="4606925"/>
+          </a:xfrm>
+        </p:spPr>
+        <p:txBody>
+          <a:bodyPr/>
+          <a:lstStyle/>
+          <a:p>
+            <a:r>
+              <a:rPr lang="en-US" altLang="zh-CN" dirty="0"/>
+              <a:t>The</a:t>
+            </a:r>
+            <a:r>
+              <a:rPr lang="zh-CN" altLang="en-US" dirty="0"/>
+              <a:t> </a:t>
+            </a:r>
+            <a:r>
+              <a:rPr lang="en-US" altLang="zh-CN" dirty="0"/>
+              <a:t>document</a:t>
+            </a:r>
+            <a:r>
+              <a:rPr lang="zh-CN" altLang="en-US" dirty="0"/>
+              <a:t> </a:t>
+            </a:r>
+            <a:r>
+              <a:rPr lang="en-US" altLang="zh-CN" dirty="0"/>
+              <a:t>provided</a:t>
+            </a:r>
+            <a:r>
+              <a:rPr lang="zh-CN" altLang="en-US" dirty="0"/>
+              <a:t> </a:t>
+            </a:r>
+            <a:r>
+              <a:rPr lang="en-US" altLang="zh-CN" dirty="0"/>
+              <a:t>by</a:t>
+            </a:r>
+            <a:r>
+              <a:rPr lang="zh-CN" altLang="en-US" dirty="0"/>
+              <a:t> </a:t>
+            </a:r>
+            <a:r>
+              <a:rPr lang="en-US" altLang="zh-CN" dirty="0"/>
+              <a:t>engineering</a:t>
+            </a:r>
+            <a:r>
+              <a:rPr lang="zh-CN" altLang="en-US" dirty="0"/>
+              <a:t> </a:t>
+            </a:r>
+            <a:r>
+              <a:rPr lang="en-US" altLang="zh-CN" dirty="0"/>
+              <a:t>team</a:t>
+            </a:r>
+            <a:r>
+              <a:rPr lang="zh-CN" altLang="en-US" dirty="0"/>
+              <a:t> </a:t>
+            </a:r>
+            <a:r>
+              <a:rPr lang="en-US" altLang="zh-CN" dirty="0"/>
+              <a:t>can</a:t>
+            </a:r>
+            <a:r>
+              <a:rPr lang="zh-CN" altLang="en-US" dirty="0"/>
+              <a:t> </a:t>
+            </a:r>
+            <a:r>
+              <a:rPr lang="en-US" altLang="zh-CN" dirty="0"/>
+              <a:t>be</a:t>
+            </a:r>
+            <a:r>
+              <a:rPr lang="zh-CN" altLang="en-US" dirty="0"/>
+              <a:t> </a:t>
+            </a:r>
+            <a:r>
+              <a:rPr lang="en-US" altLang="zh-CN" dirty="0"/>
+              <a:t>used</a:t>
+            </a:r>
+            <a:r>
+              <a:rPr lang="zh-CN" altLang="en-US" dirty="0"/>
+              <a:t> </a:t>
+            </a:r>
+            <a:r>
+              <a:rPr lang="en-US" altLang="zh-CN" dirty="0"/>
+              <a:t>as</a:t>
+            </a:r>
+            <a:r>
+              <a:rPr lang="zh-CN" altLang="en-US" dirty="0"/>
+              <a:t> </a:t>
+            </a:r>
+            <a:r>
+              <a:rPr lang="en-US" altLang="zh-CN" dirty="0"/>
+              <a:t>a</a:t>
+            </a:r>
+            <a:r>
+              <a:rPr lang="zh-CN" altLang="en-US" dirty="0"/>
+              <a:t> </a:t>
+            </a:r>
+            <a:r>
+              <a:rPr lang="en-US" altLang="zh-CN" dirty="0"/>
+              <a:t>guidance</a:t>
+            </a:r>
+            <a:r>
+              <a:rPr lang="zh-CN" altLang="en-US" dirty="0"/>
+              <a:t> </a:t>
+            </a:r>
+            <a:r>
+              <a:rPr lang="en-US" altLang="zh-CN" dirty="0"/>
+              <a:t>for</a:t>
+            </a:r>
+            <a:r>
+              <a:rPr lang="zh-CN" altLang="en-US" dirty="0"/>
+              <a:t> </a:t>
+            </a:r>
+            <a:r>
+              <a:rPr lang="en-US" altLang="zh-CN" dirty="0"/>
+              <a:t>the</a:t>
+            </a:r>
+            <a:r>
+              <a:rPr lang="zh-CN" altLang="en-US" dirty="0"/>
+              <a:t> </a:t>
+            </a:r>
+            <a:r>
+              <a:rPr lang="en-US" altLang="zh-CN" dirty="0"/>
+              <a:t>team</a:t>
+            </a:r>
+            <a:r>
+              <a:rPr lang="zh-CN" altLang="en-US" dirty="0"/>
+              <a:t> </a:t>
+            </a:r>
+            <a:r>
+              <a:rPr lang="en-US" altLang="zh-CN" dirty="0"/>
+              <a:t>later</a:t>
+            </a:r>
+          </a:p>
+        </p:txBody>
+      </p:sp>
+      <p:sp>
+        <p:nvSpPr>
+          <p:cNvPr id="4" name="Slide Number Placeholder 3">
+            <a:extLst>
+              <a:ext uri="{FF2B5EF4-FFF2-40B4-BE49-F238E27FC236}">
+                <a16:creationId xmlns:a16="http://schemas.microsoft.com/office/drawing/2014/main" id="{41550A6E-0470-B741-A299-81ECCF95490D}"/>
+              </a:ext>
+            </a:extLst>
+          </p:cNvPr>
+          <p:cNvSpPr>
+            <a:spLocks noGrp="1"/>
+          </p:cNvSpPr>
+          <p:nvPr>
+            <p:ph type="sldNum" sz="quarter" idx="11"/>
+          </p:nvPr>
+        </p:nvSpPr>
+        <p:spPr/>
+        <p:txBody>
+          <a:bodyPr/>
+          <a:lstStyle/>
+          <a:p>
+            <a:fld id="{5C213CF7-9790-6548-95A9-51DD9168E4DE}" type="slidenum">
+              <a:rPr lang="en-US" smtClean="0"/>
+              <a:pPr/>
+              <a:t>13</a:t>
+            </a:fld>
+            <a:endParaRPr lang="en-US" dirty="0"/>
+          </a:p>
+        </p:txBody>
+      </p:sp>
+      <p:sp>
+        <p:nvSpPr>
+          <p:cNvPr id="6" name="TextBox 5">
+            <a:extLst>
+              <a:ext uri="{FF2B5EF4-FFF2-40B4-BE49-F238E27FC236}">
+                <a16:creationId xmlns:a16="http://schemas.microsoft.com/office/drawing/2014/main" id="{BB2BD3C3-3FBC-6E4B-830D-4AA5C6E90EA7}"/>
+              </a:ext>
+            </a:extLst>
+          </p:cNvPr>
+          <p:cNvSpPr txBox="1"/>
+          <p:nvPr/>
+        </p:nvSpPr>
+        <p:spPr>
+          <a:xfrm>
+            <a:off x="3216436" y="5916018"/>
+            <a:ext cx="2710999" cy="269304"/>
+          </a:xfrm>
+          <a:prstGeom prst="rect">
+            <a:avLst/>
+          </a:prstGeom>
+        </p:spPr>
+        <p:txBody>
+          <a:bodyPr wrap="none" rtlCol="0">
+            <a:spAutoFit/>
+          </a:bodyPr>
+          <a:lstStyle/>
+          <a:p>
+            <a:pPr marL="342900" indent="-342900" algn="ctr" fontAlgn="auto">
+              <a:spcBef>
+                <a:spcPct val="20000"/>
+              </a:spcBef>
+              <a:spcAft>
+                <a:spcPts val="0"/>
+              </a:spcAft>
+            </a:pPr>
+            <a:r>
+              <a:rPr kumimoji="0" lang="en-US" altLang="zh-CN" sz="1150" b="1" i="0" u="none" strike="noStrike" kern="1200" cap="none" spc="0" normalizeH="0" baseline="0" noProof="0" dirty="0">
+                <a:ln>
+                  <a:noFill/>
+                </a:ln>
+                <a:solidFill>
+                  <a:schemeClr val="tx1"/>
+                </a:solidFill>
+                <a:effectLst/>
+                <a:uLnTx/>
+                <a:uFillTx/>
+                <a:latin typeface="Sommet bold"/>
+                <a:ea typeface="+mn-ea"/>
+                <a:cs typeface="+mn-cs"/>
+              </a:rPr>
+              <a:t>Figure</a:t>
+            </a:r>
+            <a:r>
+              <a:rPr kumimoji="0" lang="zh-CN" altLang="en-US" sz="1150" b="1" i="0" u="none" strike="noStrike" kern="1200" cap="none" spc="0" normalizeH="0" baseline="0" noProof="0" dirty="0">
+                <a:ln>
+                  <a:noFill/>
+                </a:ln>
+                <a:solidFill>
+                  <a:schemeClr val="tx1"/>
+                </a:solidFill>
+                <a:effectLst/>
+                <a:uLnTx/>
+                <a:uFillTx/>
+                <a:latin typeface="Sommet bold"/>
+                <a:ea typeface="+mn-ea"/>
+                <a:cs typeface="+mn-cs"/>
+              </a:rPr>
+              <a:t> </a:t>
+            </a:r>
+            <a:r>
+              <a:rPr lang="en-US" altLang="zh-CN" sz="1150" b="1" dirty="0">
+                <a:latin typeface="Sommet bold"/>
+                <a:ea typeface="+mn-ea"/>
+              </a:rPr>
+              <a:t>4</a:t>
+            </a:r>
+            <a:r>
+              <a:rPr kumimoji="0" lang="en-US" altLang="zh-CN" sz="1150" b="1" i="0" u="none" strike="noStrike" kern="1200" cap="none" spc="0" normalizeH="0" baseline="0" noProof="0" dirty="0">
+                <a:ln>
+                  <a:noFill/>
+                </a:ln>
+                <a:solidFill>
+                  <a:schemeClr val="tx1"/>
+                </a:solidFill>
+                <a:effectLst/>
+                <a:uLnTx/>
+                <a:uFillTx/>
+                <a:latin typeface="Sommet bold"/>
+                <a:ea typeface="+mn-ea"/>
+                <a:cs typeface="+mn-cs"/>
+              </a:rPr>
+              <a:t>:</a:t>
+            </a:r>
+            <a:r>
+              <a:rPr kumimoji="0" lang="zh-CN" altLang="en-US" sz="1150" b="1" i="0" u="none" strike="noStrike" kern="1200" cap="none" spc="0" normalizeH="0" baseline="0" noProof="0" dirty="0">
+                <a:ln>
+                  <a:noFill/>
+                </a:ln>
+                <a:solidFill>
+                  <a:schemeClr val="tx1"/>
+                </a:solidFill>
+                <a:effectLst/>
+                <a:uLnTx/>
+                <a:uFillTx/>
+                <a:latin typeface="Sommet bold"/>
+                <a:ea typeface="+mn-ea"/>
+                <a:cs typeface="+mn-cs"/>
+              </a:rPr>
+              <a:t> </a:t>
+            </a:r>
+            <a:r>
+              <a:rPr lang="en-US" altLang="zh-CN" sz="1150" b="1" dirty="0">
+                <a:latin typeface="Sommet bold"/>
+                <a:ea typeface="+mn-ea"/>
+              </a:rPr>
+              <a:t>An</a:t>
+            </a:r>
+            <a:r>
+              <a:rPr lang="zh-CN" altLang="en-US" sz="1150" b="1" dirty="0">
+                <a:latin typeface="Sommet bold"/>
+                <a:ea typeface="+mn-ea"/>
+              </a:rPr>
+              <a:t> </a:t>
+            </a:r>
+            <a:r>
+              <a:rPr lang="en-US" altLang="zh-CN" sz="1150" b="1" dirty="0">
+                <a:latin typeface="Sommet bold"/>
+                <a:ea typeface="+mn-ea"/>
+              </a:rPr>
+              <a:t>sample</a:t>
+            </a:r>
+            <a:r>
+              <a:rPr lang="zh-CN" altLang="en-US" sz="1150" b="1" dirty="0">
+                <a:latin typeface="Sommet bold"/>
+                <a:ea typeface="+mn-ea"/>
+              </a:rPr>
+              <a:t> </a:t>
+            </a:r>
+            <a:r>
+              <a:rPr lang="en-US" altLang="zh-CN" sz="1150" b="1" dirty="0">
+                <a:latin typeface="Sommet bold"/>
+                <a:ea typeface="+mn-ea"/>
+              </a:rPr>
+              <a:t>PRD</a:t>
+            </a:r>
+            <a:r>
+              <a:rPr lang="zh-CN" altLang="en-US" sz="1150" b="1" dirty="0">
+                <a:latin typeface="Sommet bold"/>
+                <a:ea typeface="+mn-ea"/>
+              </a:rPr>
+              <a:t> </a:t>
+            </a:r>
+            <a:r>
+              <a:rPr lang="en-US" altLang="zh-CN" sz="1150" b="1" dirty="0">
+                <a:latin typeface="Sommet bold"/>
+              </a:rPr>
+              <a:t>(Raji</a:t>
+            </a:r>
+            <a:r>
+              <a:rPr lang="zh-CN" altLang="en-US" sz="1150" b="1" dirty="0">
+                <a:latin typeface="Sommet bold"/>
+              </a:rPr>
+              <a:t> </a:t>
+            </a:r>
+            <a:r>
+              <a:rPr lang="en-US" altLang="zh-CN" sz="1150" b="1" dirty="0">
+                <a:latin typeface="Sommet bold"/>
+              </a:rPr>
+              <a:t>et</a:t>
+            </a:r>
+            <a:r>
+              <a:rPr lang="zh-CN" altLang="en-US" sz="1150" b="1" dirty="0">
+                <a:latin typeface="Sommet bold"/>
+              </a:rPr>
+              <a:t> </a:t>
+            </a:r>
+            <a:r>
+              <a:rPr lang="en-US" altLang="zh-CN" sz="1150" b="1" dirty="0">
+                <a:latin typeface="Sommet bold"/>
+              </a:rPr>
+              <a:t>al.</a:t>
+            </a:r>
+            <a:r>
+              <a:rPr lang="zh-CN" altLang="en-US" sz="1150" b="1" dirty="0">
+                <a:latin typeface="Sommet bold"/>
+              </a:rPr>
+              <a:t> </a:t>
+            </a:r>
+            <a:r>
+              <a:rPr lang="en-US" altLang="zh-CN" sz="1150" b="1" dirty="0">
+                <a:latin typeface="Sommet bold"/>
+              </a:rPr>
+              <a:t>2020)</a:t>
+            </a:r>
+            <a:endParaRPr lang="en-US" altLang="zh-CN" sz="1150" b="1" dirty="0">
+              <a:latin typeface="Sommet bold"/>
+              <a:ea typeface="+mn-ea"/>
+            </a:endParaRPr>
+          </a:p>
+        </p:txBody>
+      </p:sp>
+      <p:pic>
+        <p:nvPicPr>
+          <p:cNvPr id="7" name="Picture 6">
+            <a:extLst>
+              <a:ext uri="{FF2B5EF4-FFF2-40B4-BE49-F238E27FC236}">
+                <a16:creationId xmlns:a16="http://schemas.microsoft.com/office/drawing/2014/main" id="{14270B2D-7880-0545-99CE-EA036D52157A}"/>
+              </a:ext>
+            </a:extLst>
+          </p:cNvPr>
+          <p:cNvPicPr>
+            <a:picLocks noChangeAspect="1"/>
+          </p:cNvPicPr>
+          <p:nvPr/>
+        </p:nvPicPr>
+        <p:blipFill rotWithShape="1">
+          <a:blip r:embed="rId2">
+            <a:extLst>
+              <a:ext uri="{28A0092B-C50C-407E-A947-70E740481C1C}">
+                <a14:useLocalDpi xmlns:a14="http://schemas.microsoft.com/office/drawing/2010/main" val="0"/>
+              </a:ext>
+            </a:extLst>
+          </a:blip>
+          <a:srcRect b="24725"/>
+          <a:stretch/>
+        </p:blipFill>
+        <p:spPr>
+          <a:xfrm>
+            <a:off x="1007542" y="1052736"/>
+            <a:ext cx="7128792" cy="4752528"/>
+          </a:xfrm>
+          <a:prstGeom prst="rect">
+            <a:avLst/>
+          </a:prstGeom>
+          <a:ln>
+            <a:noFill/>
+          </a:ln>
+          <a:effectLst>
+            <a:outerShdw blurRad="292100" dist="139700" dir="2700000" algn="tl" rotWithShape="0">
+              <a:srgbClr val="333333">
+                <a:alpha val="65000"/>
+              </a:srgbClr>
+            </a:outerShdw>
+          </a:effectLst>
+        </p:spPr>
+      </p:pic>
+    </p:spTree>
+    <p:extLst>
+      <p:ext uri="{BB962C8B-B14F-4D97-AF65-F5344CB8AC3E}">
+        <p14:creationId xmlns:p14="http://schemas.microsoft.com/office/powerpoint/2010/main" val="1907558482"/>
+      </p:ext>
+    </p:extLst>
+  </p:cSld>
+  <p:clrMapOvr>
+    <a:masterClrMapping/>
+  </p:clrMapOvr>
+</p:sld>
+</file>
+
+<file path=ppt/slides/slide15.xml><?xml version="1.0" encoding="utf-8"?>
+<p:sld xmlns:a="http://schemas.openxmlformats.org/drawingml/2006/main" xmlns:r="http://schemas.openxmlformats.org/officeDocument/2006/relationships" xmlns:p="http://schemas.openxmlformats.org/presentationml/2006/main">
+  <p:cSld>
+    <p:spTree>
+      <p:nvGrpSpPr>
+        <p:cNvPr id="1" name=""/>
+        <p:cNvGrpSpPr/>
+        <p:nvPr/>
+      </p:nvGrpSpPr>
+      <p:grpSpPr>
+        <a:xfrm>
+          <a:off x="0" y="0"/>
+          <a:ext cx="0" cy="0"/>
+          <a:chOff x="0" y="0"/>
+          <a:chExt cx="0" cy="0"/>
+        </a:xfrm>
+      </p:grpSpPr>
+      <p:sp>
+        <p:nvSpPr>
+          <p:cNvPr id="2" name="Title 1">
+            <a:extLst>
+              <a:ext uri="{FF2B5EF4-FFF2-40B4-BE49-F238E27FC236}">
+                <a16:creationId xmlns:a16="http://schemas.microsoft.com/office/drawing/2014/main" id="{0DCF1AAD-9588-564B-AFD1-D339FB2A9322}"/>
+              </a:ext>
+            </a:extLst>
+          </p:cNvPr>
+          <p:cNvSpPr>
+            <a:spLocks noGrp="1"/>
+          </p:cNvSpPr>
+          <p:nvPr>
+            <p:ph type="title"/>
+          </p:nvPr>
+        </p:nvSpPr>
+        <p:spPr>
+          <a:xfrm>
+            <a:off x="468313" y="129304"/>
+            <a:ext cx="8208962" cy="461962"/>
+          </a:xfrm>
+        </p:spPr>
+        <p:txBody>
+          <a:bodyPr/>
+          <a:lstStyle/>
+          <a:p>
+            <a:r>
+              <a:rPr lang="en-US" altLang="zh-CN" dirty="0"/>
+              <a:t>Highlights</a:t>
+            </a:r>
+            <a:endParaRPr lang="en-AU" dirty="0"/>
+          </a:p>
+        </p:txBody>
+      </p:sp>
+      <p:sp>
+        <p:nvSpPr>
+          <p:cNvPr id="3" name="Text Placeholder 2">
+            <a:extLst>
+              <a:ext uri="{FF2B5EF4-FFF2-40B4-BE49-F238E27FC236}">
+                <a16:creationId xmlns:a16="http://schemas.microsoft.com/office/drawing/2014/main" id="{17ABA81D-4322-984D-AD45-B180D7E3FE62}"/>
+              </a:ext>
+            </a:extLst>
+          </p:cNvPr>
+          <p:cNvSpPr>
+            <a:spLocks noGrp="1"/>
+          </p:cNvSpPr>
+          <p:nvPr>
+            <p:ph type="body" idx="10"/>
+          </p:nvPr>
+        </p:nvSpPr>
+        <p:spPr>
+          <a:xfrm>
+            <a:off x="468313" y="692696"/>
+            <a:ext cx="8208962" cy="4606925"/>
+          </a:xfrm>
+        </p:spPr>
+        <p:txBody>
+          <a:bodyPr/>
+          <a:lstStyle/>
+          <a:p>
+            <a:r>
+              <a:rPr lang="en-US" altLang="zh-CN" dirty="0"/>
+              <a:t>Datasheet</a:t>
+            </a:r>
+            <a:r>
+              <a:rPr lang="zh-CN" altLang="en-US" dirty="0"/>
+              <a:t> </a:t>
+            </a:r>
+            <a:r>
+              <a:rPr lang="en-US" altLang="zh-CN" dirty="0"/>
+              <a:t>and</a:t>
+            </a:r>
+            <a:r>
+              <a:rPr lang="zh-CN" altLang="en-US" dirty="0"/>
+              <a:t> </a:t>
+            </a:r>
+            <a:r>
+              <a:rPr lang="en-US" altLang="zh-CN" dirty="0"/>
+              <a:t>model</a:t>
+            </a:r>
+            <a:r>
+              <a:rPr lang="zh-CN" altLang="en-US" dirty="0"/>
+              <a:t> </a:t>
+            </a:r>
+            <a:r>
+              <a:rPr lang="en-US" altLang="zh-CN" dirty="0"/>
+              <a:t>card</a:t>
+            </a:r>
+            <a:r>
+              <a:rPr lang="zh-CN" altLang="en-US" dirty="0"/>
+              <a:t> </a:t>
+            </a:r>
+            <a:r>
+              <a:rPr lang="en-US" altLang="zh-CN" dirty="0"/>
+              <a:t>ensure</a:t>
+            </a:r>
+            <a:r>
+              <a:rPr lang="zh-CN" altLang="en-US" dirty="0"/>
+              <a:t> </a:t>
+            </a:r>
+            <a:r>
+              <a:rPr lang="en-US" altLang="zh-CN" dirty="0"/>
+              <a:t>the</a:t>
+            </a:r>
+            <a:r>
+              <a:rPr lang="zh-CN" altLang="en-US" dirty="0"/>
+              <a:t> </a:t>
+            </a:r>
+            <a:r>
+              <a:rPr lang="en-US" altLang="zh-CN" dirty="0"/>
+              <a:t>quality</a:t>
+            </a:r>
+            <a:r>
+              <a:rPr lang="zh-CN" altLang="en-US" dirty="0"/>
+              <a:t> </a:t>
+            </a:r>
+            <a:r>
+              <a:rPr lang="en-US" altLang="zh-CN" dirty="0"/>
+              <a:t>and</a:t>
+            </a:r>
+            <a:r>
+              <a:rPr lang="zh-CN" altLang="en-US" dirty="0"/>
+              <a:t> </a:t>
+            </a:r>
+            <a:r>
+              <a:rPr lang="en-US" altLang="zh-CN" dirty="0"/>
+              <a:t>reproducibility</a:t>
+            </a:r>
+            <a:r>
+              <a:rPr lang="zh-CN" altLang="en-US" dirty="0"/>
+              <a:t> </a:t>
+            </a:r>
+            <a:r>
+              <a:rPr lang="en-US" altLang="zh-CN" dirty="0"/>
+              <a:t>of</a:t>
+            </a:r>
+            <a:r>
+              <a:rPr lang="zh-CN" altLang="en-US" dirty="0"/>
+              <a:t> </a:t>
+            </a:r>
+            <a:r>
+              <a:rPr lang="en-US" altLang="zh-CN" dirty="0"/>
+              <a:t>the</a:t>
+            </a:r>
+            <a:r>
+              <a:rPr lang="zh-CN" altLang="en-US" dirty="0"/>
+              <a:t> </a:t>
+            </a:r>
+            <a:r>
+              <a:rPr lang="en-US" altLang="zh-CN" dirty="0"/>
+              <a:t>model</a:t>
+            </a:r>
+          </a:p>
+        </p:txBody>
+      </p:sp>
+      <p:sp>
+        <p:nvSpPr>
+          <p:cNvPr id="4" name="Slide Number Placeholder 3">
+            <a:extLst>
+              <a:ext uri="{FF2B5EF4-FFF2-40B4-BE49-F238E27FC236}">
+                <a16:creationId xmlns:a16="http://schemas.microsoft.com/office/drawing/2014/main" id="{41550A6E-0470-B741-A299-81ECCF95490D}"/>
+              </a:ext>
+            </a:extLst>
+          </p:cNvPr>
+          <p:cNvSpPr>
+            <a:spLocks noGrp="1"/>
+          </p:cNvSpPr>
+          <p:nvPr>
+            <p:ph type="sldNum" sz="quarter" idx="11"/>
+          </p:nvPr>
+        </p:nvSpPr>
+        <p:spPr/>
+        <p:txBody>
+          <a:bodyPr/>
+          <a:lstStyle/>
+          <a:p>
+            <a:fld id="{5C213CF7-9790-6548-95A9-51DD9168E4DE}" type="slidenum">
+              <a:rPr lang="en-US" smtClean="0"/>
+              <a:pPr/>
+              <a:t>14</a:t>
+            </a:fld>
+            <a:endParaRPr lang="en-US" dirty="0"/>
+          </a:p>
+        </p:txBody>
+      </p:sp>
+      <p:pic>
+        <p:nvPicPr>
+          <p:cNvPr id="5" name="Picture 4">
+            <a:extLst>
+              <a:ext uri="{FF2B5EF4-FFF2-40B4-BE49-F238E27FC236}">
+                <a16:creationId xmlns:a16="http://schemas.microsoft.com/office/drawing/2014/main" id="{29E40EA8-0E6B-9249-9642-B87A3860426B}"/>
+              </a:ext>
+            </a:extLst>
+          </p:cNvPr>
+          <p:cNvPicPr>
+            <a:picLocks noChangeAspect="1"/>
+          </p:cNvPicPr>
+          <p:nvPr/>
+        </p:nvPicPr>
+        <p:blipFill rotWithShape="1">
+          <a:blip r:embed="rId2">
+            <a:extLst>
+              <a:ext uri="{28A0092B-C50C-407E-A947-70E740481C1C}">
+                <a14:useLocalDpi xmlns:a14="http://schemas.microsoft.com/office/drawing/2010/main" val="0"/>
+              </a:ext>
+            </a:extLst>
+          </a:blip>
+          <a:srcRect b="19308"/>
+          <a:stretch/>
+        </p:blipFill>
+        <p:spPr>
+          <a:xfrm>
+            <a:off x="1043198" y="1078470"/>
+            <a:ext cx="7057603" cy="4606925"/>
+          </a:xfrm>
+          <a:prstGeom prst="rect">
+            <a:avLst/>
+          </a:prstGeom>
+          <a:ln>
+            <a:noFill/>
+          </a:ln>
+          <a:effectLst>
+            <a:outerShdw blurRad="292100" dist="139700" dir="2700000" algn="tl" rotWithShape="0">
+              <a:srgbClr val="333333">
+                <a:alpha val="65000"/>
+              </a:srgbClr>
+            </a:outerShdw>
+          </a:effectLst>
+        </p:spPr>
+      </p:pic>
+      <p:sp>
+        <p:nvSpPr>
+          <p:cNvPr id="6" name="TextBox 5">
+            <a:extLst>
+              <a:ext uri="{FF2B5EF4-FFF2-40B4-BE49-F238E27FC236}">
+                <a16:creationId xmlns:a16="http://schemas.microsoft.com/office/drawing/2014/main" id="{BB2BD3C3-3FBC-6E4B-830D-4AA5C6E90EA7}"/>
+              </a:ext>
+            </a:extLst>
+          </p:cNvPr>
+          <p:cNvSpPr txBox="1"/>
+          <p:nvPr/>
+        </p:nvSpPr>
+        <p:spPr>
+          <a:xfrm>
+            <a:off x="3191113" y="5807185"/>
+            <a:ext cx="3066865" cy="269304"/>
+          </a:xfrm>
+          <a:prstGeom prst="rect">
+            <a:avLst/>
+          </a:prstGeom>
+        </p:spPr>
+        <p:txBody>
+          <a:bodyPr wrap="none" rtlCol="0">
+            <a:spAutoFit/>
+          </a:bodyPr>
+          <a:lstStyle/>
+          <a:p>
+            <a:pPr marL="342900" indent="-342900" algn="ctr" fontAlgn="auto">
+              <a:spcBef>
+                <a:spcPct val="20000"/>
+              </a:spcBef>
+              <a:spcAft>
+                <a:spcPts val="0"/>
+              </a:spcAft>
+            </a:pPr>
+            <a:r>
+              <a:rPr kumimoji="0" lang="en-US" altLang="zh-CN" sz="1150" b="1" i="0" u="none" strike="noStrike" kern="1200" cap="none" spc="0" normalizeH="0" baseline="0" noProof="0" dirty="0">
+                <a:ln>
+                  <a:noFill/>
+                </a:ln>
+                <a:solidFill>
+                  <a:schemeClr val="tx1"/>
+                </a:solidFill>
+                <a:effectLst/>
+                <a:uLnTx/>
+                <a:uFillTx/>
+                <a:latin typeface="Sommet bold"/>
+                <a:ea typeface="+mn-ea"/>
+                <a:cs typeface="+mn-cs"/>
+              </a:rPr>
+              <a:t>Figure</a:t>
+            </a:r>
+            <a:r>
+              <a:rPr kumimoji="0" lang="zh-CN" altLang="en-US" sz="1150" b="1" i="0" u="none" strike="noStrike" kern="1200" cap="none" spc="0" normalizeH="0" baseline="0" noProof="0" dirty="0">
+                <a:ln>
+                  <a:noFill/>
+                </a:ln>
+                <a:solidFill>
+                  <a:schemeClr val="tx1"/>
+                </a:solidFill>
+                <a:effectLst/>
+                <a:uLnTx/>
+                <a:uFillTx/>
+                <a:latin typeface="Sommet bold"/>
+                <a:ea typeface="+mn-ea"/>
+                <a:cs typeface="+mn-cs"/>
+              </a:rPr>
+              <a:t> </a:t>
+            </a:r>
+            <a:r>
+              <a:rPr kumimoji="0" lang="en-US" altLang="zh-CN" sz="1150" b="1" i="0" u="none" strike="noStrike" kern="1200" cap="none" spc="0" normalizeH="0" baseline="0" noProof="0" dirty="0">
+                <a:ln>
+                  <a:noFill/>
+                </a:ln>
+                <a:solidFill>
+                  <a:schemeClr val="tx1"/>
+                </a:solidFill>
+                <a:effectLst/>
+                <a:uLnTx/>
+                <a:uFillTx/>
+                <a:latin typeface="Sommet bold"/>
+                <a:ea typeface="+mn-ea"/>
+                <a:cs typeface="+mn-cs"/>
+              </a:rPr>
+              <a:t>5:</a:t>
+            </a:r>
+            <a:r>
+              <a:rPr kumimoji="0" lang="zh-CN" altLang="en-US" sz="1150" b="1" i="0" u="none" strike="noStrike" kern="1200" cap="none" spc="0" normalizeH="0" baseline="0" noProof="0" dirty="0">
+                <a:ln>
+                  <a:noFill/>
+                </a:ln>
+                <a:solidFill>
+                  <a:schemeClr val="tx1"/>
+                </a:solidFill>
+                <a:effectLst/>
+                <a:uLnTx/>
+                <a:uFillTx/>
+                <a:latin typeface="Sommet bold"/>
+                <a:ea typeface="+mn-ea"/>
+                <a:cs typeface="+mn-cs"/>
+              </a:rPr>
+              <a:t> </a:t>
+            </a:r>
+            <a:r>
+              <a:rPr lang="en-US" altLang="zh-CN" sz="1150" b="1" dirty="0">
+                <a:latin typeface="Sommet bold"/>
+                <a:ea typeface="+mn-ea"/>
+              </a:rPr>
+              <a:t>An</a:t>
+            </a:r>
+            <a:r>
+              <a:rPr lang="zh-CN" altLang="en-US" sz="1150" b="1" dirty="0">
+                <a:latin typeface="Sommet bold"/>
+                <a:ea typeface="+mn-ea"/>
+              </a:rPr>
+              <a:t> </a:t>
+            </a:r>
+            <a:r>
+              <a:rPr lang="en-US" altLang="zh-CN" sz="1150" b="1" dirty="0">
+                <a:latin typeface="Sommet bold"/>
+                <a:ea typeface="+mn-ea"/>
+              </a:rPr>
+              <a:t>sample</a:t>
+            </a:r>
+            <a:r>
+              <a:rPr lang="zh-CN" altLang="en-US" sz="1150" b="1" dirty="0">
+                <a:latin typeface="Sommet bold"/>
+                <a:ea typeface="+mn-ea"/>
+              </a:rPr>
+              <a:t> </a:t>
+            </a:r>
+            <a:r>
+              <a:rPr lang="en-US" altLang="zh-CN" sz="1150" b="1" dirty="0">
+                <a:latin typeface="Sommet bold"/>
+                <a:ea typeface="+mn-ea"/>
+              </a:rPr>
+              <a:t>datasheet</a:t>
+            </a:r>
+            <a:r>
+              <a:rPr lang="zh-CN" altLang="en-US" sz="1150" b="1" dirty="0">
+                <a:latin typeface="Sommet bold"/>
+                <a:ea typeface="+mn-ea"/>
+              </a:rPr>
+              <a:t> </a:t>
+            </a:r>
+            <a:r>
+              <a:rPr lang="en-US" altLang="zh-CN" sz="1150" b="1" dirty="0">
+                <a:latin typeface="Sommet bold"/>
+              </a:rPr>
+              <a:t>(Raji</a:t>
+            </a:r>
+            <a:r>
+              <a:rPr lang="zh-CN" altLang="en-US" sz="1150" b="1" dirty="0">
+                <a:latin typeface="Sommet bold"/>
+              </a:rPr>
+              <a:t> </a:t>
+            </a:r>
+            <a:r>
+              <a:rPr lang="en-US" altLang="zh-CN" sz="1150" b="1" dirty="0">
+                <a:latin typeface="Sommet bold"/>
+              </a:rPr>
+              <a:t>et</a:t>
+            </a:r>
+            <a:r>
+              <a:rPr lang="zh-CN" altLang="en-US" sz="1150" b="1" dirty="0">
+                <a:latin typeface="Sommet bold"/>
+              </a:rPr>
+              <a:t> </a:t>
+            </a:r>
+            <a:r>
+              <a:rPr lang="en-US" altLang="zh-CN" sz="1150" b="1" dirty="0">
+                <a:latin typeface="Sommet bold"/>
+              </a:rPr>
+              <a:t>al.</a:t>
+            </a:r>
+            <a:r>
+              <a:rPr lang="zh-CN" altLang="en-US" sz="1150" b="1" dirty="0">
+                <a:latin typeface="Sommet bold"/>
+              </a:rPr>
+              <a:t> </a:t>
+            </a:r>
+            <a:r>
+              <a:rPr lang="en-US" altLang="zh-CN" sz="1150" b="1" dirty="0">
+                <a:latin typeface="Sommet bold"/>
+              </a:rPr>
+              <a:t>2020)</a:t>
+            </a:r>
+            <a:endParaRPr lang="en-US" altLang="zh-CN" sz="1150" b="1" dirty="0">
+              <a:latin typeface="Sommet bold"/>
+              <a:ea typeface="+mn-ea"/>
+            </a:endParaRPr>
+          </a:p>
+        </p:txBody>
+      </p:sp>
+    </p:spTree>
+    <p:extLst>
+      <p:ext uri="{BB962C8B-B14F-4D97-AF65-F5344CB8AC3E}">
+        <p14:creationId xmlns:p14="http://schemas.microsoft.com/office/powerpoint/2010/main" val="1968067634"/>
+      </p:ext>
+    </p:extLst>
+  </p:cSld>
+  <p:clrMapOvr>
+    <a:masterClrMapping/>
+  </p:clrMapOvr>
+</p:sld>
+</file>
+
+<file path=ppt/slides/slide16.xml><?xml version="1.0" encoding="utf-8"?>
+<p:sld xmlns:a="http://schemas.openxmlformats.org/drawingml/2006/main" xmlns:r="http://schemas.openxmlformats.org/officeDocument/2006/relationships" xmlns:p="http://schemas.openxmlformats.org/presentationml/2006/main">
+  <p:cSld>
+    <p:spTree>
+      <p:nvGrpSpPr>
+        <p:cNvPr id="1" name=""/>
+        <p:cNvGrpSpPr/>
+        <p:nvPr/>
+      </p:nvGrpSpPr>
+      <p:grpSpPr>
+        <a:xfrm>
+          <a:off x="0" y="0"/>
+          <a:ext cx="0" cy="0"/>
+          <a:chOff x="0" y="0"/>
+          <a:chExt cx="0" cy="0"/>
+        </a:xfrm>
+      </p:grpSpPr>
+      <p:sp>
+        <p:nvSpPr>
+          <p:cNvPr id="2" name="Title 1">
+            <a:extLst>
+              <a:ext uri="{FF2B5EF4-FFF2-40B4-BE49-F238E27FC236}">
+                <a16:creationId xmlns:a16="http://schemas.microsoft.com/office/drawing/2014/main" id="{0DCF1AAD-9588-564B-AFD1-D339FB2A9322}"/>
+              </a:ext>
+            </a:extLst>
+          </p:cNvPr>
+          <p:cNvSpPr>
+            <a:spLocks noGrp="1"/>
+          </p:cNvSpPr>
+          <p:nvPr>
+            <p:ph type="title"/>
+          </p:nvPr>
+        </p:nvSpPr>
+        <p:spPr>
+          <a:xfrm>
+            <a:off x="468313" y="94879"/>
+            <a:ext cx="8208962" cy="461962"/>
+          </a:xfrm>
+        </p:spPr>
+        <p:txBody>
+          <a:bodyPr/>
+          <a:lstStyle/>
+          <a:p>
+            <a:r>
+              <a:rPr lang="en-US" altLang="zh-CN" dirty="0"/>
+              <a:t>Highlights</a:t>
+            </a:r>
+            <a:endParaRPr lang="en-AU" dirty="0"/>
+          </a:p>
+        </p:txBody>
+      </p:sp>
+      <p:sp>
+        <p:nvSpPr>
+          <p:cNvPr id="3" name="Text Placeholder 2">
+            <a:extLst>
+              <a:ext uri="{FF2B5EF4-FFF2-40B4-BE49-F238E27FC236}">
+                <a16:creationId xmlns:a16="http://schemas.microsoft.com/office/drawing/2014/main" id="{17ABA81D-4322-984D-AD45-B180D7E3FE62}"/>
+              </a:ext>
+            </a:extLst>
+          </p:cNvPr>
+          <p:cNvSpPr>
+            <a:spLocks noGrp="1"/>
+          </p:cNvSpPr>
+          <p:nvPr>
+            <p:ph type="body" idx="10"/>
+          </p:nvPr>
+        </p:nvSpPr>
+        <p:spPr>
+          <a:xfrm>
+            <a:off x="468313" y="648118"/>
+            <a:ext cx="8208962" cy="4606925"/>
+          </a:xfrm>
+        </p:spPr>
+        <p:txBody>
+          <a:bodyPr/>
+          <a:lstStyle/>
+          <a:p>
+            <a:r>
+              <a:rPr lang="en-US" altLang="zh-CN" dirty="0"/>
+              <a:t>Datasheet</a:t>
+            </a:r>
+            <a:r>
+              <a:rPr lang="zh-CN" altLang="en-US" dirty="0"/>
+              <a:t> </a:t>
+            </a:r>
+            <a:r>
+              <a:rPr lang="en-US" altLang="zh-CN" dirty="0"/>
+              <a:t>and</a:t>
+            </a:r>
+            <a:r>
+              <a:rPr lang="zh-CN" altLang="en-US" dirty="0"/>
+              <a:t> </a:t>
+            </a:r>
+            <a:r>
+              <a:rPr lang="en-US" altLang="zh-CN" dirty="0"/>
+              <a:t>model</a:t>
+            </a:r>
+            <a:r>
+              <a:rPr lang="zh-CN" altLang="en-US" dirty="0"/>
+              <a:t> </a:t>
+            </a:r>
+            <a:r>
+              <a:rPr lang="en-US" altLang="zh-CN" dirty="0"/>
+              <a:t>card</a:t>
+            </a:r>
+            <a:r>
+              <a:rPr lang="zh-CN" altLang="en-US" dirty="0"/>
+              <a:t> </a:t>
+            </a:r>
+            <a:r>
+              <a:rPr lang="en-US" altLang="zh-CN" dirty="0"/>
+              <a:t>ensure</a:t>
+            </a:r>
+            <a:r>
+              <a:rPr lang="zh-CN" altLang="en-US" dirty="0"/>
+              <a:t> </a:t>
+            </a:r>
+            <a:r>
+              <a:rPr lang="en-US" altLang="zh-CN" dirty="0"/>
+              <a:t>the</a:t>
+            </a:r>
+            <a:r>
+              <a:rPr lang="zh-CN" altLang="en-US" dirty="0"/>
+              <a:t> </a:t>
+            </a:r>
+            <a:r>
+              <a:rPr lang="en-US" altLang="zh-CN" dirty="0"/>
+              <a:t>quality</a:t>
+            </a:r>
+            <a:r>
+              <a:rPr lang="zh-CN" altLang="en-US" dirty="0"/>
+              <a:t> </a:t>
+            </a:r>
+            <a:r>
+              <a:rPr lang="en-US" altLang="zh-CN" dirty="0"/>
+              <a:t>and</a:t>
+            </a:r>
+            <a:r>
+              <a:rPr lang="zh-CN" altLang="en-US" dirty="0"/>
+              <a:t> </a:t>
+            </a:r>
+            <a:r>
+              <a:rPr lang="en-US" altLang="zh-CN" dirty="0"/>
+              <a:t>reproducibility</a:t>
+            </a:r>
+            <a:r>
+              <a:rPr lang="zh-CN" altLang="en-US" dirty="0"/>
+              <a:t> </a:t>
+            </a:r>
+            <a:r>
+              <a:rPr lang="en-US" altLang="zh-CN" dirty="0"/>
+              <a:t>of</a:t>
+            </a:r>
+            <a:r>
+              <a:rPr lang="zh-CN" altLang="en-US" dirty="0"/>
+              <a:t> </a:t>
+            </a:r>
+            <a:r>
+              <a:rPr lang="en-US" altLang="zh-CN" dirty="0"/>
+              <a:t>the</a:t>
+            </a:r>
+            <a:r>
+              <a:rPr lang="zh-CN" altLang="en-US" dirty="0"/>
+              <a:t> </a:t>
+            </a:r>
+            <a:r>
+              <a:rPr lang="en-US" altLang="zh-CN" dirty="0"/>
+              <a:t>model</a:t>
+            </a:r>
+          </a:p>
+        </p:txBody>
+      </p:sp>
+      <p:sp>
+        <p:nvSpPr>
+          <p:cNvPr id="4" name="Slide Number Placeholder 3">
+            <a:extLst>
+              <a:ext uri="{FF2B5EF4-FFF2-40B4-BE49-F238E27FC236}">
+                <a16:creationId xmlns:a16="http://schemas.microsoft.com/office/drawing/2014/main" id="{41550A6E-0470-B741-A299-81ECCF95490D}"/>
+              </a:ext>
+            </a:extLst>
+          </p:cNvPr>
+          <p:cNvSpPr>
+            <a:spLocks noGrp="1"/>
+          </p:cNvSpPr>
+          <p:nvPr>
+            <p:ph type="sldNum" sz="quarter" idx="11"/>
+          </p:nvPr>
+        </p:nvSpPr>
+        <p:spPr/>
+        <p:txBody>
+          <a:bodyPr/>
+          <a:lstStyle/>
+          <a:p>
+            <a:fld id="{5C213CF7-9790-6548-95A9-51DD9168E4DE}" type="slidenum">
+              <a:rPr lang="en-US" smtClean="0"/>
+              <a:pPr/>
+              <a:t>15</a:t>
+            </a:fld>
+            <a:endParaRPr lang="en-US" dirty="0"/>
+          </a:p>
+        </p:txBody>
+      </p:sp>
+      <p:sp>
+        <p:nvSpPr>
+          <p:cNvPr id="6" name="TextBox 5">
+            <a:extLst>
+              <a:ext uri="{FF2B5EF4-FFF2-40B4-BE49-F238E27FC236}">
+                <a16:creationId xmlns:a16="http://schemas.microsoft.com/office/drawing/2014/main" id="{BB2BD3C3-3FBC-6E4B-830D-4AA5C6E90EA7}"/>
+              </a:ext>
+            </a:extLst>
+          </p:cNvPr>
+          <p:cNvSpPr txBox="1"/>
+          <p:nvPr/>
+        </p:nvSpPr>
+        <p:spPr>
+          <a:xfrm>
+            <a:off x="3166180" y="5940578"/>
+            <a:ext cx="3142206" cy="269304"/>
+          </a:xfrm>
+          <a:prstGeom prst="rect">
+            <a:avLst/>
+          </a:prstGeom>
+        </p:spPr>
+        <p:txBody>
+          <a:bodyPr wrap="none" rtlCol="0">
+            <a:spAutoFit/>
+          </a:bodyPr>
+          <a:lstStyle/>
+          <a:p>
+            <a:pPr marL="342900" indent="-342900" algn="ctr" fontAlgn="auto">
+              <a:spcBef>
+                <a:spcPct val="20000"/>
+              </a:spcBef>
+              <a:spcAft>
+                <a:spcPts val="0"/>
+              </a:spcAft>
+            </a:pPr>
+            <a:r>
+              <a:rPr kumimoji="0" lang="en-US" altLang="zh-CN" sz="1150" b="1" i="0" u="none" strike="noStrike" kern="1200" cap="none" spc="0" normalizeH="0" baseline="0" noProof="0" dirty="0">
+                <a:ln>
+                  <a:noFill/>
+                </a:ln>
+                <a:solidFill>
+                  <a:schemeClr val="tx1"/>
+                </a:solidFill>
+                <a:effectLst/>
+                <a:uLnTx/>
+                <a:uFillTx/>
+                <a:latin typeface="Sommet bold"/>
+                <a:ea typeface="+mn-ea"/>
+                <a:cs typeface="+mn-cs"/>
+              </a:rPr>
+              <a:t>Figure</a:t>
+            </a:r>
+            <a:r>
+              <a:rPr kumimoji="0" lang="zh-CN" altLang="en-US" sz="1150" b="1" i="0" u="none" strike="noStrike" kern="1200" cap="none" spc="0" normalizeH="0" baseline="0" noProof="0" dirty="0">
+                <a:ln>
+                  <a:noFill/>
+                </a:ln>
+                <a:solidFill>
+                  <a:schemeClr val="tx1"/>
+                </a:solidFill>
+                <a:effectLst/>
+                <a:uLnTx/>
+                <a:uFillTx/>
+                <a:latin typeface="Sommet bold"/>
+                <a:ea typeface="+mn-ea"/>
+                <a:cs typeface="+mn-cs"/>
+              </a:rPr>
+              <a:t> </a:t>
+            </a:r>
+            <a:r>
+              <a:rPr kumimoji="0" lang="en-US" altLang="zh-CN" sz="1150" b="1" i="0" u="none" strike="noStrike" kern="1200" cap="none" spc="0" normalizeH="0" baseline="0" noProof="0" dirty="0">
+                <a:ln>
+                  <a:noFill/>
+                </a:ln>
+                <a:solidFill>
+                  <a:schemeClr val="tx1"/>
+                </a:solidFill>
+                <a:effectLst/>
+                <a:uLnTx/>
+                <a:uFillTx/>
+                <a:latin typeface="Sommet bold"/>
+                <a:ea typeface="+mn-ea"/>
+                <a:cs typeface="+mn-cs"/>
+              </a:rPr>
+              <a:t>6:</a:t>
+            </a:r>
+            <a:r>
+              <a:rPr kumimoji="0" lang="zh-CN" altLang="en-US" sz="1150" b="1" i="0" u="none" strike="noStrike" kern="1200" cap="none" spc="0" normalizeH="0" baseline="0" noProof="0" dirty="0">
+                <a:ln>
+                  <a:noFill/>
+                </a:ln>
+                <a:solidFill>
+                  <a:schemeClr val="tx1"/>
+                </a:solidFill>
+                <a:effectLst/>
+                <a:uLnTx/>
+                <a:uFillTx/>
+                <a:latin typeface="Sommet bold"/>
+                <a:ea typeface="+mn-ea"/>
+                <a:cs typeface="+mn-cs"/>
+              </a:rPr>
+              <a:t> </a:t>
+            </a:r>
+            <a:r>
+              <a:rPr lang="en-US" altLang="zh-CN" sz="1150" b="1" dirty="0">
+                <a:latin typeface="Sommet bold"/>
+                <a:ea typeface="+mn-ea"/>
+              </a:rPr>
+              <a:t>An</a:t>
+            </a:r>
+            <a:r>
+              <a:rPr lang="zh-CN" altLang="en-US" sz="1150" b="1" dirty="0">
+                <a:latin typeface="Sommet bold"/>
+                <a:ea typeface="+mn-ea"/>
+              </a:rPr>
+              <a:t> </a:t>
+            </a:r>
+            <a:r>
+              <a:rPr lang="en-US" altLang="zh-CN" sz="1150" b="1" dirty="0">
+                <a:latin typeface="Sommet bold"/>
+                <a:ea typeface="+mn-ea"/>
+              </a:rPr>
+              <a:t>sample</a:t>
+            </a:r>
+            <a:r>
+              <a:rPr lang="zh-CN" altLang="en-US" sz="1150" b="1" dirty="0">
+                <a:latin typeface="Sommet bold"/>
+                <a:ea typeface="+mn-ea"/>
+              </a:rPr>
+              <a:t> </a:t>
+            </a:r>
+            <a:r>
+              <a:rPr lang="en-US" altLang="zh-CN" sz="1150" b="1" dirty="0">
+                <a:latin typeface="Sommet bold"/>
+                <a:ea typeface="+mn-ea"/>
+              </a:rPr>
+              <a:t>model</a:t>
+            </a:r>
+            <a:r>
+              <a:rPr lang="zh-CN" altLang="en-US" sz="1150" b="1" dirty="0">
+                <a:latin typeface="Sommet bold"/>
+                <a:ea typeface="+mn-ea"/>
+              </a:rPr>
+              <a:t> </a:t>
+            </a:r>
+            <a:r>
+              <a:rPr lang="en-US" altLang="zh-CN" sz="1150" b="1" dirty="0">
+                <a:latin typeface="Sommet bold"/>
+                <a:ea typeface="+mn-ea"/>
+              </a:rPr>
+              <a:t>card</a:t>
+            </a:r>
+            <a:r>
+              <a:rPr lang="zh-CN" altLang="en-US" sz="1150" b="1" dirty="0">
+                <a:latin typeface="Sommet bold"/>
+                <a:ea typeface="+mn-ea"/>
+              </a:rPr>
+              <a:t> </a:t>
+            </a:r>
+            <a:r>
+              <a:rPr lang="en-US" altLang="zh-CN" sz="1150" b="1" dirty="0">
+                <a:latin typeface="Sommet bold"/>
+              </a:rPr>
+              <a:t>(Raji</a:t>
+            </a:r>
+            <a:r>
+              <a:rPr lang="zh-CN" altLang="en-US" sz="1150" b="1" dirty="0">
+                <a:latin typeface="Sommet bold"/>
+              </a:rPr>
+              <a:t> </a:t>
+            </a:r>
+            <a:r>
+              <a:rPr lang="en-US" altLang="zh-CN" sz="1150" b="1" dirty="0">
+                <a:latin typeface="Sommet bold"/>
+              </a:rPr>
+              <a:t>et</a:t>
+            </a:r>
+            <a:r>
+              <a:rPr lang="zh-CN" altLang="en-US" sz="1150" b="1" dirty="0">
+                <a:latin typeface="Sommet bold"/>
+              </a:rPr>
+              <a:t> </a:t>
+            </a:r>
+            <a:r>
+              <a:rPr lang="en-US" altLang="zh-CN" sz="1150" b="1" dirty="0">
+                <a:latin typeface="Sommet bold"/>
+              </a:rPr>
+              <a:t>al.</a:t>
+            </a:r>
+            <a:r>
+              <a:rPr lang="zh-CN" altLang="en-US" sz="1150" b="1" dirty="0">
+                <a:latin typeface="Sommet bold"/>
+              </a:rPr>
+              <a:t> </a:t>
+            </a:r>
+            <a:r>
+              <a:rPr lang="en-US" altLang="zh-CN" sz="1150" b="1" dirty="0">
+                <a:latin typeface="Sommet bold"/>
+              </a:rPr>
+              <a:t>2020)</a:t>
+            </a:r>
+            <a:endParaRPr lang="en-US" altLang="zh-CN" sz="1150" b="1" dirty="0">
+              <a:latin typeface="Sommet bold"/>
+              <a:ea typeface="+mn-ea"/>
+            </a:endParaRPr>
+          </a:p>
+        </p:txBody>
+      </p:sp>
+      <p:pic>
+        <p:nvPicPr>
+          <p:cNvPr id="7" name="Picture 6">
+            <a:extLst>
+              <a:ext uri="{FF2B5EF4-FFF2-40B4-BE49-F238E27FC236}">
+                <a16:creationId xmlns:a16="http://schemas.microsoft.com/office/drawing/2014/main" id="{A40BB3BD-CC62-7247-BE02-68735C787E21}"/>
+              </a:ext>
+            </a:extLst>
+          </p:cNvPr>
+          <p:cNvPicPr>
+            <a:picLocks noChangeAspect="1"/>
+          </p:cNvPicPr>
+          <p:nvPr/>
+        </p:nvPicPr>
+        <p:blipFill rotWithShape="1">
+          <a:blip r:embed="rId2">
+            <a:extLst>
+              <a:ext uri="{28A0092B-C50C-407E-A947-70E740481C1C}">
+                <a14:useLocalDpi xmlns:a14="http://schemas.microsoft.com/office/drawing/2010/main" val="0"/>
+              </a:ext>
+            </a:extLst>
+          </a:blip>
+          <a:srcRect b="26958"/>
+          <a:stretch/>
+        </p:blipFill>
+        <p:spPr>
+          <a:xfrm>
+            <a:off x="1604935" y="1015292"/>
+            <a:ext cx="6264696" cy="4824536"/>
+          </a:xfrm>
+          <a:prstGeom prst="rect">
+            <a:avLst/>
+          </a:prstGeom>
+          <a:ln>
+            <a:noFill/>
+          </a:ln>
+          <a:effectLst>
+            <a:outerShdw blurRad="292100" dist="139700" dir="2700000" algn="tl" rotWithShape="0">
+              <a:srgbClr val="333333">
+                <a:alpha val="65000"/>
+              </a:srgbClr>
+            </a:outerShdw>
+          </a:effectLst>
+        </p:spPr>
+      </p:pic>
+    </p:spTree>
+    <p:extLst>
+      <p:ext uri="{BB962C8B-B14F-4D97-AF65-F5344CB8AC3E}">
+        <p14:creationId xmlns:p14="http://schemas.microsoft.com/office/powerpoint/2010/main" val="1331349402"/>
+      </p:ext>
+    </p:extLst>
+  </p:cSld>
+  <p:clrMapOvr>
+    <a:masterClrMapping/>
+  </p:clrMapOvr>
+</p:sld>
+</file>
+
+<file path=ppt/slides/slide17.xml><?xml version="1.0" encoding="utf-8"?>
+<p:sld xmlns:a="http://schemas.openxmlformats.org/drawingml/2006/main" xmlns:r="http://schemas.openxmlformats.org/officeDocument/2006/relationships" xmlns:p="http://schemas.openxmlformats.org/presentationml/2006/main">
+  <p:cSld>
+    <p:spTree>
+      <p:nvGrpSpPr>
+        <p:cNvPr id="1" name=""/>
+        <p:cNvGrpSpPr/>
+        <p:nvPr/>
+      </p:nvGrpSpPr>
+      <p:grpSpPr>
+        <a:xfrm>
+          <a:off x="0" y="0"/>
+          <a:ext cx="0" cy="0"/>
+          <a:chOff x="0" y="0"/>
+          <a:chExt cx="0" cy="0"/>
+        </a:xfrm>
+      </p:grpSpPr>
+      <p:sp>
+        <p:nvSpPr>
+          <p:cNvPr id="2" name="Title 1">
+            <a:extLst>
+              <a:ext uri="{FF2B5EF4-FFF2-40B4-BE49-F238E27FC236}">
+                <a16:creationId xmlns:a16="http://schemas.microsoft.com/office/drawing/2014/main" id="{EA302C0A-A4B1-5C46-AA0A-8400E4F92C27}"/>
+              </a:ext>
+            </a:extLst>
+          </p:cNvPr>
+          <p:cNvSpPr>
+            <a:spLocks noGrp="1"/>
+          </p:cNvSpPr>
+          <p:nvPr>
+            <p:ph type="title"/>
+          </p:nvPr>
+        </p:nvSpPr>
+        <p:spPr/>
+        <p:txBody>
+          <a:bodyPr/>
+          <a:lstStyle/>
+          <a:p>
+            <a:r>
+              <a:rPr lang="en-US" altLang="zh-CN" dirty="0"/>
+              <a:t>Limitation</a:t>
+            </a:r>
+            <a:endParaRPr lang="en-AU" dirty="0"/>
+          </a:p>
+        </p:txBody>
+      </p:sp>
+      <p:sp>
+        <p:nvSpPr>
+          <p:cNvPr id="3" name="Text Placeholder 2">
+            <a:extLst>
+              <a:ext uri="{FF2B5EF4-FFF2-40B4-BE49-F238E27FC236}">
+                <a16:creationId xmlns:a16="http://schemas.microsoft.com/office/drawing/2014/main" id="{CB5D08E5-D6CD-7449-8C79-DFA323F0E865}"/>
+              </a:ext>
+            </a:extLst>
+          </p:cNvPr>
+          <p:cNvSpPr>
+            <a:spLocks noGrp="1"/>
+          </p:cNvSpPr>
+          <p:nvPr>
+            <p:ph type="body" idx="10"/>
+          </p:nvPr>
+        </p:nvSpPr>
+        <p:spPr/>
+        <p:txBody>
+          <a:bodyPr/>
+          <a:lstStyle/>
+          <a:p>
+            <a:pPr marL="285750" indent="-285750">
+              <a:buFont typeface="Arial" panose="020B0604020202020204" pitchFamily="34" charset="0"/>
+              <a:buChar char="•"/>
+            </a:pPr>
+            <a:r>
+              <a:rPr lang="zh-CN" altLang="en-US" b="1" dirty="0"/>
+              <a:t> </a:t>
+            </a:r>
+            <a:r>
+              <a:rPr lang="en-US" altLang="zh-CN" dirty="0"/>
+              <a:t>Internal</a:t>
+            </a:r>
+            <a:r>
+              <a:rPr lang="zh-CN" altLang="en-US" dirty="0"/>
+              <a:t> </a:t>
+            </a:r>
+            <a:r>
+              <a:rPr lang="en-US" altLang="zh-CN" dirty="0"/>
+              <a:t>audits</a:t>
+            </a:r>
+            <a:r>
+              <a:rPr lang="zh-CN" altLang="en-US" dirty="0"/>
+              <a:t> </a:t>
+            </a:r>
+            <a:r>
+              <a:rPr lang="en-US" altLang="zh-CN" dirty="0"/>
+              <a:t>are</a:t>
+            </a:r>
+            <a:r>
+              <a:rPr lang="zh-CN" altLang="en-US" dirty="0"/>
+              <a:t> </a:t>
+            </a:r>
+            <a:r>
+              <a:rPr lang="en-US" altLang="zh-CN" dirty="0"/>
+              <a:t>only</a:t>
+            </a:r>
+            <a:r>
+              <a:rPr lang="zh-CN" altLang="en-US" dirty="0"/>
+              <a:t> </a:t>
+            </a:r>
+            <a:r>
+              <a:rPr lang="en-US" altLang="zh-CN" dirty="0"/>
+              <a:t>one</a:t>
+            </a:r>
+            <a:r>
+              <a:rPr lang="zh-CN" altLang="en-US" dirty="0"/>
+              <a:t> </a:t>
+            </a:r>
+            <a:r>
+              <a:rPr lang="en-US" altLang="zh-CN" dirty="0"/>
+              <a:t>aspect</a:t>
+            </a:r>
+            <a:r>
+              <a:rPr lang="zh-CN" altLang="en-US" dirty="0"/>
+              <a:t> </a:t>
+            </a:r>
+            <a:r>
+              <a:rPr lang="en-US" altLang="zh-CN" dirty="0"/>
+              <a:t>for</a:t>
+            </a:r>
+            <a:r>
+              <a:rPr lang="zh-CN" altLang="en-US" dirty="0"/>
+              <a:t> </a:t>
+            </a:r>
+            <a:r>
+              <a:rPr lang="en-US" altLang="zh-CN" dirty="0"/>
+              <a:t>quality</a:t>
+            </a:r>
+            <a:r>
+              <a:rPr lang="zh-CN" altLang="en-US" dirty="0"/>
+              <a:t> </a:t>
+            </a:r>
+            <a:r>
+              <a:rPr lang="en-US" altLang="zh-CN" dirty="0"/>
+              <a:t>check</a:t>
+            </a:r>
+          </a:p>
+          <a:p>
+            <a:pPr>
+              <a:buFont typeface="Arial" panose="020B0604020202020204" pitchFamily="34" charset="0"/>
+              <a:buChar char="•"/>
+            </a:pPr>
+            <a:r>
+              <a:rPr lang="en-US" altLang="zh-CN" dirty="0"/>
+              <a:t>Audits</a:t>
+            </a:r>
+            <a:r>
+              <a:rPr lang="zh-CN" altLang="en-US" dirty="0"/>
+              <a:t> </a:t>
+            </a:r>
+            <a:r>
+              <a:rPr lang="en-US" altLang="zh-CN" dirty="0"/>
+              <a:t>need</a:t>
+            </a:r>
+            <a:r>
+              <a:rPr lang="zh-CN" altLang="en-US" dirty="0"/>
+              <a:t> </a:t>
+            </a:r>
+            <a:r>
+              <a:rPr lang="en-US" altLang="zh-CN" dirty="0"/>
+              <a:t>to</a:t>
+            </a:r>
+            <a:r>
+              <a:rPr lang="zh-CN" altLang="en-US" dirty="0"/>
+              <a:t> </a:t>
+            </a:r>
+            <a:r>
+              <a:rPr lang="en-US" altLang="zh-CN" dirty="0"/>
+              <a:t>understand</a:t>
+            </a:r>
+            <a:r>
+              <a:rPr lang="zh-CN" altLang="en-US" dirty="0"/>
+              <a:t> </a:t>
+            </a:r>
+            <a:r>
+              <a:rPr lang="en-US" altLang="zh-CN" dirty="0"/>
+              <a:t>context,</a:t>
+            </a:r>
+            <a:r>
+              <a:rPr lang="zh-CN" altLang="en-US" dirty="0"/>
+              <a:t> </a:t>
+            </a:r>
+            <a:r>
+              <a:rPr lang="en-US" altLang="zh-CN" dirty="0"/>
+              <a:t>and</a:t>
+            </a:r>
+            <a:r>
+              <a:rPr lang="zh-CN" altLang="en-US" dirty="0"/>
+              <a:t> </a:t>
+            </a:r>
+            <a:r>
+              <a:rPr lang="en-US" altLang="zh-CN" dirty="0"/>
+              <a:t>maintain</a:t>
+            </a:r>
+            <a:r>
+              <a:rPr lang="zh-CN" altLang="en-US" dirty="0"/>
+              <a:t> </a:t>
+            </a:r>
+            <a:r>
+              <a:rPr lang="en-US" altLang="zh-CN" dirty="0"/>
+              <a:t>an</a:t>
+            </a:r>
+            <a:r>
+              <a:rPr lang="zh-CN" altLang="en-US" dirty="0"/>
+              <a:t> </a:t>
+            </a:r>
+            <a:r>
+              <a:rPr lang="en-US" altLang="zh-CN" dirty="0"/>
+              <a:t>independent</a:t>
+            </a:r>
+            <a:r>
+              <a:rPr lang="zh-CN" altLang="en-US" dirty="0"/>
+              <a:t> </a:t>
+            </a:r>
+            <a:r>
+              <a:rPr lang="en-US" altLang="zh-CN" dirty="0"/>
+              <a:t>and</a:t>
+            </a:r>
+            <a:r>
+              <a:rPr lang="zh-CN" altLang="en-US" dirty="0"/>
+              <a:t> </a:t>
+            </a:r>
+            <a:r>
+              <a:rPr lang="en-US" altLang="zh-CN" dirty="0"/>
+              <a:t>objective</a:t>
+            </a:r>
+            <a:r>
+              <a:rPr lang="zh-CN" altLang="en-US" dirty="0"/>
+              <a:t> </a:t>
+            </a:r>
+            <a:r>
+              <a:rPr lang="en-US" altLang="zh-CN" dirty="0"/>
+              <a:t>viewpoint at the same time</a:t>
+            </a:r>
+            <a:endParaRPr lang="en-AU" dirty="0"/>
+          </a:p>
+        </p:txBody>
+      </p:sp>
+      <p:sp>
+        <p:nvSpPr>
+          <p:cNvPr id="4" name="Slide Number Placeholder 3">
+            <a:extLst>
+              <a:ext uri="{FF2B5EF4-FFF2-40B4-BE49-F238E27FC236}">
+                <a16:creationId xmlns:a16="http://schemas.microsoft.com/office/drawing/2014/main" id="{0FE7D9C3-2E06-CB4D-8B09-B3ED85041BAD}"/>
+              </a:ext>
+            </a:extLst>
+          </p:cNvPr>
+          <p:cNvSpPr>
+            <a:spLocks noGrp="1"/>
+          </p:cNvSpPr>
+          <p:nvPr>
+            <p:ph type="sldNum" sz="quarter" idx="11"/>
+          </p:nvPr>
+        </p:nvSpPr>
+        <p:spPr/>
+        <p:txBody>
+          <a:bodyPr/>
+          <a:lstStyle/>
+          <a:p>
+            <a:fld id="{5C213CF7-9790-6548-95A9-51DD9168E4DE}" type="slidenum">
+              <a:rPr lang="en-US" smtClean="0"/>
+              <a:pPr/>
+              <a:t>16</a:t>
+            </a:fld>
+            <a:endParaRPr lang="en-US" dirty="0"/>
+          </a:p>
+        </p:txBody>
+      </p:sp>
+    </p:spTree>
+    <p:extLst>
+      <p:ext uri="{BB962C8B-B14F-4D97-AF65-F5344CB8AC3E}">
+        <p14:creationId xmlns:p14="http://schemas.microsoft.com/office/powerpoint/2010/main" val="3790390799"/>
+      </p:ext>
+    </p:extLst>
+  </p:cSld>
+  <p:clrMapOvr>
+    <a:masterClrMapping/>
+  </p:clrMapOvr>
+</p:sld>
+</file>
+
+<file path=ppt/slides/slide18.xml><?xml version="1.0" encoding="utf-8"?>
 <p:sld xmlns:a="http://schemas.openxmlformats.org/drawingml/2006/main" xmlns:r="http://schemas.openxmlformats.org/officeDocument/2006/relationships" xmlns:p="http://schemas.openxmlformats.org/presentationml/2006/main">
   <p:cSld>
     <p:spTree>
@@ -3906,7 +6291,7 @@
             <a:fld id="{5C213CF7-9790-6548-95A9-51DD9168E4DE}" type="slidenum">
               <a:rPr lang="en-US" smtClean="0"/>
               <a:pPr/>
-              <a:t>12</a:t>
+              <a:t>17</a:t>
             </a:fld>
             <a:endParaRPr lang="en-US" dirty="0"/>
           </a:p>
@@ -4228,336 +6613,127 @@
               <a:rPr lang="en-US" altLang="zh-CN" dirty="0"/>
               <a:t>deployment.</a:t>
             </a:r>
+            <a:r>
+              <a:rPr lang="zh-CN" altLang="en-US" dirty="0"/>
+              <a:t> </a:t>
+            </a:r>
+            <a:r>
+              <a:rPr lang="en-US" altLang="zh-CN" dirty="0"/>
+              <a:t>Once</a:t>
+            </a:r>
+            <a:r>
+              <a:rPr lang="zh-CN" altLang="en-US" dirty="0"/>
+              <a:t> </a:t>
+            </a:r>
+            <a:r>
+              <a:rPr lang="en-US" altLang="zh-CN" dirty="0"/>
+              <a:t>deployed,</a:t>
+            </a:r>
+            <a:r>
+              <a:rPr lang="zh-CN" altLang="en-US" dirty="0"/>
+              <a:t> </a:t>
+            </a:r>
+            <a:r>
+              <a:rPr lang="en-US" altLang="zh-CN" dirty="0"/>
+              <a:t>issues</a:t>
+            </a:r>
+            <a:r>
+              <a:rPr lang="zh-CN" altLang="en-US" dirty="0"/>
+              <a:t> </a:t>
+            </a:r>
+            <a:r>
+              <a:rPr lang="en-US" altLang="zh-CN" dirty="0"/>
+              <a:t>can</a:t>
+            </a:r>
+            <a:r>
+              <a:rPr lang="zh-CN" altLang="en-US" dirty="0"/>
+              <a:t> </a:t>
+            </a:r>
+            <a:r>
+              <a:rPr lang="en-US" altLang="zh-CN" dirty="0"/>
+              <a:t>become</a:t>
+            </a:r>
+            <a:r>
+              <a:rPr lang="zh-CN" altLang="en-US" dirty="0"/>
+              <a:t> </a:t>
+            </a:r>
+            <a:r>
+              <a:rPr lang="en-US" altLang="zh-CN" dirty="0"/>
+              <a:t>difficult</a:t>
+            </a:r>
+            <a:r>
+              <a:rPr lang="zh-CN" altLang="en-US" dirty="0"/>
+              <a:t> </a:t>
+            </a:r>
+            <a:r>
+              <a:rPr lang="en-US" altLang="zh-CN" dirty="0"/>
+              <a:t>to</a:t>
+            </a:r>
+            <a:r>
+              <a:rPr lang="zh-CN" altLang="en-US" dirty="0"/>
+              <a:t> </a:t>
+            </a:r>
+            <a:r>
+              <a:rPr lang="en-US" altLang="zh-CN" dirty="0"/>
+              <a:t>trace</a:t>
+            </a:r>
+            <a:r>
+              <a:rPr lang="zh-CN" altLang="en-US" dirty="0"/>
+              <a:t> </a:t>
+            </a:r>
+            <a:r>
+              <a:rPr lang="en-US" altLang="zh-CN" dirty="0"/>
+              <a:t>back.</a:t>
+            </a:r>
+          </a:p>
+          <a:p>
+            <a:pPr>
+              <a:buFont typeface="Arial" panose="020B0604020202020204" pitchFamily="34" charset="0"/>
+              <a:buChar char="•"/>
+            </a:pPr>
+            <a:endParaRPr lang="en-US" altLang="zh-CN" dirty="0"/>
           </a:p>
           <a:p>
             <a:pPr lvl="2">
               <a:buFont typeface="Arial" panose="020B0604020202020204" pitchFamily="34" charset="0"/>
               <a:buChar char="•"/>
             </a:pPr>
-            <a:r>
-              <a:rPr lang="en-US" altLang="zh-CN" dirty="0"/>
-              <a:t>External</a:t>
-            </a:r>
-            <a:r>
-              <a:rPr lang="zh-CN" altLang="en-US" dirty="0"/>
-              <a:t> </a:t>
-            </a:r>
-            <a:r>
-              <a:rPr lang="en-US" altLang="zh-CN" dirty="0"/>
-              <a:t>audits</a:t>
-            </a:r>
-            <a:r>
-              <a:rPr lang="zh-CN" altLang="en-US" dirty="0"/>
-              <a:t> </a:t>
-            </a:r>
-            <a:r>
-              <a:rPr lang="en-US" altLang="zh-CN" dirty="0"/>
-              <a:t>are</a:t>
-            </a:r>
-            <a:r>
-              <a:rPr lang="zh-CN" altLang="en-US" dirty="0"/>
-              <a:t> </a:t>
-            </a:r>
-            <a:r>
-              <a:rPr lang="en-US" altLang="zh-CN" dirty="0"/>
-              <a:t>designed</a:t>
-            </a:r>
-            <a:r>
-              <a:rPr lang="zh-CN" altLang="en-US" dirty="0"/>
-              <a:t> </a:t>
-            </a:r>
-            <a:r>
-              <a:rPr lang="en-US" altLang="zh-CN" dirty="0"/>
-              <a:t>to</a:t>
-            </a:r>
-            <a:r>
-              <a:rPr lang="zh-CN" altLang="en-US" dirty="0"/>
-              <a:t> </a:t>
-            </a:r>
-            <a:r>
-              <a:rPr lang="en-US" altLang="zh-CN" dirty="0"/>
-              <a:t>identify</a:t>
-            </a:r>
-            <a:r>
-              <a:rPr lang="zh-CN" altLang="en-US" dirty="0"/>
-              <a:t> </a:t>
-            </a:r>
-            <a:r>
-              <a:rPr lang="en-US" altLang="zh-CN" dirty="0"/>
-              <a:t>risks</a:t>
-            </a:r>
-            <a:r>
-              <a:rPr lang="zh-CN" altLang="en-US" dirty="0"/>
-              <a:t> </a:t>
-            </a:r>
-            <a:r>
-              <a:rPr lang="en-US" altLang="zh-CN" dirty="0"/>
-              <a:t>from</a:t>
-            </a:r>
-            <a:r>
-              <a:rPr lang="zh-CN" altLang="en-US" dirty="0"/>
-              <a:t> </a:t>
-            </a:r>
-            <a:r>
-              <a:rPr lang="en-US" altLang="zh-CN" dirty="0"/>
-              <a:t>outside</a:t>
-            </a:r>
+            <a:endParaRPr lang="en-US" dirty="0"/>
           </a:p>
           <a:p>
             <a:pPr lvl="2">
               <a:buFont typeface="Arial" panose="020B0604020202020204" pitchFamily="34" charset="0"/>
               <a:buChar char="•"/>
             </a:pPr>
-            <a:r>
-              <a:rPr lang="en-US" altLang="zh-CN" dirty="0"/>
-              <a:t>External</a:t>
-            </a:r>
-            <a:r>
-              <a:rPr lang="zh-CN" altLang="en-US" dirty="0"/>
-              <a:t> </a:t>
-            </a:r>
-            <a:r>
-              <a:rPr lang="en-US" altLang="zh-CN" dirty="0"/>
-              <a:t>audits</a:t>
-            </a:r>
-            <a:r>
-              <a:rPr lang="zh-CN" altLang="en-US" dirty="0"/>
-              <a:t> </a:t>
-            </a:r>
-            <a:r>
-              <a:rPr lang="en-US" altLang="zh-CN" dirty="0"/>
-              <a:t>conducted</a:t>
-            </a:r>
-            <a:r>
-              <a:rPr lang="zh-CN" altLang="en-US" dirty="0"/>
-              <a:t> </a:t>
-            </a:r>
-            <a:r>
-              <a:rPr lang="en-US" altLang="zh-CN" dirty="0"/>
-              <a:t>after</a:t>
-            </a:r>
-            <a:r>
-              <a:rPr lang="zh-CN" altLang="en-US" dirty="0"/>
-              <a:t> </a:t>
-            </a:r>
-            <a:r>
-              <a:rPr lang="en-US" altLang="zh-CN" dirty="0"/>
-              <a:t>deployment</a:t>
-            </a:r>
-          </a:p>
-          <a:p>
-            <a:pPr>
+            <a:endParaRPr lang="en-US" dirty="0"/>
+          </a:p>
+          <a:p>
+            <a:pPr lvl="2">
               <a:buFont typeface="Arial" panose="020B0604020202020204" pitchFamily="34" charset="0"/>
               <a:buChar char="•"/>
             </a:pPr>
             <a:endParaRPr lang="en-US" dirty="0"/>
           </a:p>
           <a:p>
-            <a:pPr>
-              <a:buFont typeface="Arial" panose="020B0604020202020204" pitchFamily="34" charset="0"/>
-              <a:buChar char="•"/>
-            </a:pPr>
-            <a:r>
-              <a:rPr lang="en-US" altLang="zh-CN" dirty="0"/>
-              <a:t>Once</a:t>
-            </a:r>
-            <a:r>
-              <a:rPr lang="zh-CN" altLang="en-US" dirty="0"/>
-              <a:t> </a:t>
-            </a:r>
-            <a:r>
-              <a:rPr lang="en-US" altLang="zh-CN" dirty="0"/>
-              <a:t>deployed,</a:t>
-            </a:r>
-            <a:r>
-              <a:rPr lang="zh-CN" altLang="en-US" dirty="0"/>
-              <a:t> </a:t>
-            </a:r>
-            <a:r>
-              <a:rPr lang="en-US" altLang="zh-CN" dirty="0"/>
-              <a:t>issues</a:t>
-            </a:r>
-            <a:r>
-              <a:rPr lang="zh-CN" altLang="en-US" dirty="0"/>
-              <a:t> </a:t>
-            </a:r>
-            <a:r>
-              <a:rPr lang="en-US" altLang="zh-CN" dirty="0"/>
-              <a:t>can</a:t>
-            </a:r>
-            <a:r>
-              <a:rPr lang="zh-CN" altLang="en-US" dirty="0"/>
-              <a:t> </a:t>
-            </a:r>
-            <a:r>
-              <a:rPr lang="en-US" altLang="zh-CN" dirty="0"/>
-              <a:t>become</a:t>
-            </a:r>
-            <a:r>
-              <a:rPr lang="zh-CN" altLang="en-US" dirty="0"/>
-              <a:t> </a:t>
-            </a:r>
-            <a:r>
-              <a:rPr lang="en-US" altLang="zh-CN" dirty="0"/>
-              <a:t>difficult</a:t>
-            </a:r>
-            <a:r>
-              <a:rPr lang="zh-CN" altLang="en-US" dirty="0"/>
-              <a:t> </a:t>
-            </a:r>
-            <a:r>
-              <a:rPr lang="en-US" altLang="zh-CN" dirty="0"/>
-              <a:t>to</a:t>
-            </a:r>
-            <a:r>
-              <a:rPr lang="zh-CN" altLang="en-US" dirty="0"/>
-              <a:t> </a:t>
-            </a:r>
-            <a:r>
-              <a:rPr lang="en-US" altLang="zh-CN" dirty="0"/>
-              <a:t>trace</a:t>
-            </a:r>
-            <a:r>
-              <a:rPr lang="zh-CN" altLang="en-US" dirty="0"/>
-              <a:t> </a:t>
-            </a:r>
-            <a:r>
-              <a:rPr lang="en-US" altLang="zh-CN" dirty="0"/>
-              <a:t>back.</a:t>
-            </a:r>
-          </a:p>
-          <a:p>
             <a:pPr lvl="2">
               <a:buFont typeface="Arial" panose="020B0604020202020204" pitchFamily="34" charset="0"/>
               <a:buChar char="•"/>
             </a:pPr>
-            <a:r>
-              <a:rPr lang="en-US" altLang="zh-CN" dirty="0"/>
-              <a:t>Internal</a:t>
-            </a:r>
-            <a:r>
-              <a:rPr lang="zh-CN" altLang="en-US" dirty="0"/>
-              <a:t> </a:t>
-            </a:r>
-            <a:r>
-              <a:rPr lang="en-US" altLang="zh-CN" dirty="0"/>
-              <a:t>audits</a:t>
-            </a:r>
-            <a:r>
-              <a:rPr lang="zh-CN" altLang="en-US" dirty="0"/>
-              <a:t> </a:t>
-            </a:r>
-            <a:r>
-              <a:rPr lang="en-US" altLang="zh-CN" dirty="0"/>
-              <a:t>operate</a:t>
-            </a:r>
-            <a:r>
-              <a:rPr lang="zh-CN" altLang="en-US" dirty="0"/>
-              <a:t> </a:t>
-            </a:r>
-            <a:r>
-              <a:rPr lang="en-US" altLang="zh-CN" dirty="0"/>
-              <a:t>within</a:t>
-            </a:r>
-            <a:r>
-              <a:rPr lang="zh-CN" altLang="en-US" dirty="0"/>
-              <a:t> </a:t>
-            </a:r>
-            <a:r>
-              <a:rPr lang="en-US" altLang="zh-CN" dirty="0"/>
-              <a:t>the</a:t>
-            </a:r>
-            <a:r>
-              <a:rPr lang="zh-CN" altLang="en-US" dirty="0"/>
-              <a:t> </a:t>
-            </a:r>
-            <a:r>
-              <a:rPr lang="en-US" altLang="zh-CN" dirty="0"/>
-              <a:t>development</a:t>
-            </a:r>
-            <a:r>
-              <a:rPr lang="zh-CN" altLang="en-US" dirty="0"/>
-              <a:t> </a:t>
-            </a:r>
-            <a:r>
-              <a:rPr lang="en-US" altLang="zh-CN" dirty="0"/>
-              <a:t>context</a:t>
-            </a:r>
-            <a:endParaRPr lang="en-AU" altLang="zh-CN" dirty="0"/>
+            <a:endParaRPr lang="en-US" dirty="0"/>
           </a:p>
           <a:p>
             <a:pPr lvl="2">
               <a:buFont typeface="Arial" panose="020B0604020202020204" pitchFamily="34" charset="0"/>
               <a:buChar char="•"/>
             </a:pPr>
-            <a:r>
-              <a:rPr lang="en-US" altLang="zh-CN" dirty="0"/>
-              <a:t>Internal</a:t>
-            </a:r>
-            <a:r>
-              <a:rPr lang="zh-CN" altLang="en-US" dirty="0"/>
-              <a:t> </a:t>
-            </a:r>
-            <a:r>
-              <a:rPr lang="en-US" altLang="zh-CN" dirty="0"/>
-              <a:t>audits</a:t>
-            </a:r>
-            <a:r>
-              <a:rPr lang="zh-CN" altLang="en-US" dirty="0"/>
-              <a:t> </a:t>
-            </a:r>
-            <a:r>
-              <a:rPr lang="en-US" altLang="zh-CN" dirty="0"/>
-              <a:t>can</a:t>
-            </a:r>
-            <a:r>
-              <a:rPr lang="zh-CN" altLang="en-US" dirty="0"/>
-              <a:t> </a:t>
-            </a:r>
-            <a:r>
-              <a:rPr lang="en-US" altLang="zh-CN" dirty="0"/>
-              <a:t>inform</a:t>
-            </a:r>
-            <a:r>
-              <a:rPr lang="zh-CN" altLang="en-US" dirty="0"/>
-              <a:t> </a:t>
-            </a:r>
-            <a:r>
-              <a:rPr lang="en-US" altLang="zh-CN" dirty="0"/>
-              <a:t>when</a:t>
-            </a:r>
-            <a:r>
-              <a:rPr lang="zh-CN" altLang="en-US" dirty="0"/>
-              <a:t> </a:t>
-            </a:r>
-            <a:r>
-              <a:rPr lang="en-US" altLang="zh-CN" dirty="0"/>
-              <a:t>risks</a:t>
-            </a:r>
-            <a:r>
-              <a:rPr lang="zh-CN" altLang="en-US" dirty="0"/>
-              <a:t> </a:t>
-            </a:r>
-            <a:r>
-              <a:rPr lang="en-US" altLang="zh-CN" dirty="0"/>
-              <a:t>outweigh</a:t>
-            </a:r>
-            <a:r>
-              <a:rPr lang="zh-CN" altLang="en-US" dirty="0"/>
-              <a:t> </a:t>
-            </a:r>
-            <a:r>
-              <a:rPr lang="en-US" altLang="zh-CN" dirty="0"/>
-              <a:t>the</a:t>
-            </a:r>
-            <a:r>
-              <a:rPr lang="zh-CN" altLang="en-US" dirty="0"/>
-              <a:t> </a:t>
-            </a:r>
-            <a:r>
-              <a:rPr lang="en-US" altLang="zh-CN" dirty="0"/>
-              <a:t>benefits</a:t>
-            </a:r>
+            <a:endParaRPr lang="en-US" dirty="0"/>
+          </a:p>
+          <a:p>
+            <a:pPr lvl="2">
+              <a:buFont typeface="Arial" panose="020B0604020202020204" pitchFamily="34" charset="0"/>
+              <a:buChar char="•"/>
+            </a:pPr>
+            <a:endParaRPr lang="en-US" dirty="0"/>
           </a:p>
           <a:p>
             <a:pPr lvl="2">
@@ -4790,6 +6966,591 @@
           </a:p>
         </p:txBody>
       </p:sp>
+      <p:sp>
+        <p:nvSpPr>
+          <p:cNvPr id="5" name="Rectangle 4">
+            <a:extLst>
+              <a:ext uri="{FF2B5EF4-FFF2-40B4-BE49-F238E27FC236}">
+                <a16:creationId xmlns:a16="http://schemas.microsoft.com/office/drawing/2014/main" id="{B9D23DB1-F383-D14D-ADEC-DA3FB060B156}"/>
+              </a:ext>
+            </a:extLst>
+          </p:cNvPr>
+          <p:cNvSpPr/>
+          <p:nvPr/>
+        </p:nvSpPr>
+        <p:spPr>
+          <a:xfrm>
+            <a:off x="1979712" y="1988840"/>
+            <a:ext cx="1656184" cy="914400"/>
+          </a:xfrm>
+          <a:prstGeom prst="rect">
+            <a:avLst/>
+          </a:prstGeom>
+        </p:spPr>
+        <p:style>
+          <a:lnRef idx="2">
+            <a:schemeClr val="accent3"/>
+          </a:lnRef>
+          <a:fillRef idx="1">
+            <a:schemeClr val="lt1"/>
+          </a:fillRef>
+          <a:effectRef idx="0">
+            <a:schemeClr val="accent3"/>
+          </a:effectRef>
+          <a:fontRef idx="minor">
+            <a:schemeClr val="dk1"/>
+          </a:fontRef>
+        </p:style>
+        <p:txBody>
+          <a:bodyPr rtlCol="0" anchor="ctr"/>
+          <a:lstStyle/>
+          <a:p>
+            <a:pPr algn="ctr"/>
+            <a:r>
+              <a:rPr lang="en-US" altLang="zh-CN" sz="1600" dirty="0"/>
+              <a:t>External</a:t>
+            </a:r>
+            <a:r>
+              <a:rPr lang="zh-CN" altLang="en-US" sz="1600" dirty="0"/>
+              <a:t> </a:t>
+            </a:r>
+            <a:r>
+              <a:rPr lang="en-US" altLang="zh-CN" sz="1600" dirty="0"/>
+              <a:t>audit</a:t>
+            </a:r>
+            <a:endParaRPr lang="en-AU" sz="1600" dirty="0"/>
+          </a:p>
+        </p:txBody>
+      </p:sp>
+      <p:sp>
+        <p:nvSpPr>
+          <p:cNvPr id="7" name="Rectangle 6">
+            <a:extLst>
+              <a:ext uri="{FF2B5EF4-FFF2-40B4-BE49-F238E27FC236}">
+                <a16:creationId xmlns:a16="http://schemas.microsoft.com/office/drawing/2014/main" id="{3CE84D3A-BD91-AF4A-8729-C10EBF1E570F}"/>
+              </a:ext>
+            </a:extLst>
+          </p:cNvPr>
+          <p:cNvSpPr/>
+          <p:nvPr/>
+        </p:nvSpPr>
+        <p:spPr>
+          <a:xfrm>
+            <a:off x="1115615" y="3235027"/>
+            <a:ext cx="1368922" cy="914400"/>
+          </a:xfrm>
+          <a:prstGeom prst="rect">
+            <a:avLst/>
+          </a:prstGeom>
+        </p:spPr>
+        <p:style>
+          <a:lnRef idx="2">
+            <a:schemeClr val="accent3"/>
+          </a:lnRef>
+          <a:fillRef idx="1">
+            <a:schemeClr val="lt1"/>
+          </a:fillRef>
+          <a:effectRef idx="0">
+            <a:schemeClr val="accent3"/>
+          </a:effectRef>
+          <a:fontRef idx="minor">
+            <a:schemeClr val="dk1"/>
+          </a:fontRef>
+        </p:style>
+        <p:txBody>
+          <a:bodyPr rtlCol="0" anchor="ctr"/>
+          <a:lstStyle/>
+          <a:p>
+            <a:pPr algn="ctr"/>
+            <a:r>
+              <a:rPr lang="en-US" altLang="zh-CN" sz="1400" dirty="0"/>
+              <a:t>Identify</a:t>
+            </a:r>
+            <a:r>
+              <a:rPr lang="zh-CN" altLang="en-US" sz="1400" dirty="0"/>
+              <a:t> </a:t>
+            </a:r>
+            <a:r>
+              <a:rPr lang="en-US" altLang="zh-CN" sz="1400" dirty="0"/>
+              <a:t>risks</a:t>
+            </a:r>
+            <a:r>
+              <a:rPr lang="zh-CN" altLang="en-US" sz="1400" dirty="0"/>
+              <a:t> </a:t>
+            </a:r>
+            <a:r>
+              <a:rPr lang="en-US" altLang="zh-CN" sz="1400" dirty="0"/>
+              <a:t>from</a:t>
+            </a:r>
+            <a:r>
+              <a:rPr lang="zh-CN" altLang="en-US" sz="1400" dirty="0"/>
+              <a:t> </a:t>
+            </a:r>
+            <a:r>
+              <a:rPr lang="en-US" altLang="zh-CN" sz="1400" dirty="0"/>
+              <a:t>outside</a:t>
+            </a:r>
+            <a:endParaRPr lang="en-AU" sz="1400" dirty="0"/>
+          </a:p>
+        </p:txBody>
+      </p:sp>
+      <p:sp>
+        <p:nvSpPr>
+          <p:cNvPr id="8" name="Rectangle 7">
+            <a:extLst>
+              <a:ext uri="{FF2B5EF4-FFF2-40B4-BE49-F238E27FC236}">
+                <a16:creationId xmlns:a16="http://schemas.microsoft.com/office/drawing/2014/main" id="{142F16CF-24BE-624A-9E7A-C51490C4EBE7}"/>
+              </a:ext>
+            </a:extLst>
+          </p:cNvPr>
+          <p:cNvSpPr/>
+          <p:nvPr/>
+        </p:nvSpPr>
+        <p:spPr>
+          <a:xfrm>
+            <a:off x="2987824" y="3235027"/>
+            <a:ext cx="1368921" cy="914400"/>
+          </a:xfrm>
+          <a:prstGeom prst="rect">
+            <a:avLst/>
+          </a:prstGeom>
+        </p:spPr>
+        <p:style>
+          <a:lnRef idx="2">
+            <a:schemeClr val="accent3"/>
+          </a:lnRef>
+          <a:fillRef idx="1">
+            <a:schemeClr val="lt1"/>
+          </a:fillRef>
+          <a:effectRef idx="0">
+            <a:schemeClr val="accent3"/>
+          </a:effectRef>
+          <a:fontRef idx="minor">
+            <a:schemeClr val="dk1"/>
+          </a:fontRef>
+        </p:style>
+        <p:txBody>
+          <a:bodyPr rtlCol="0" anchor="ctr"/>
+          <a:lstStyle/>
+          <a:p>
+            <a:pPr algn="ctr"/>
+            <a:r>
+              <a:rPr lang="en-US" altLang="zh-CN" sz="1400" dirty="0"/>
+              <a:t>Conducted</a:t>
+            </a:r>
+            <a:r>
+              <a:rPr lang="zh-CN" altLang="en-US" sz="1400" dirty="0"/>
+              <a:t> </a:t>
+            </a:r>
+            <a:r>
+              <a:rPr lang="en-US" altLang="zh-CN" sz="1400" dirty="0"/>
+              <a:t>after</a:t>
+            </a:r>
+            <a:r>
+              <a:rPr lang="zh-CN" altLang="en-US" sz="1400" dirty="0"/>
+              <a:t> </a:t>
+            </a:r>
+            <a:r>
+              <a:rPr lang="en-US" altLang="zh-CN" sz="1400" dirty="0"/>
+              <a:t>deployment</a:t>
+            </a:r>
+            <a:endParaRPr lang="en-AU" sz="1400" dirty="0"/>
+          </a:p>
+        </p:txBody>
+      </p:sp>
+      <p:sp>
+        <p:nvSpPr>
+          <p:cNvPr id="9" name="Rectangle 8">
+            <a:extLst>
+              <a:ext uri="{FF2B5EF4-FFF2-40B4-BE49-F238E27FC236}">
+                <a16:creationId xmlns:a16="http://schemas.microsoft.com/office/drawing/2014/main" id="{21991790-55BE-C042-9C05-6A41D768BD8B}"/>
+              </a:ext>
+            </a:extLst>
+          </p:cNvPr>
+          <p:cNvSpPr/>
+          <p:nvPr/>
+        </p:nvSpPr>
+        <p:spPr>
+          <a:xfrm>
+            <a:off x="5416325" y="1988840"/>
+            <a:ext cx="1656184" cy="914400"/>
+          </a:xfrm>
+          <a:prstGeom prst="rect">
+            <a:avLst/>
+          </a:prstGeom>
+        </p:spPr>
+        <p:style>
+          <a:lnRef idx="2">
+            <a:schemeClr val="accent1">
+              <a:shade val="50000"/>
+            </a:schemeClr>
+          </a:lnRef>
+          <a:fillRef idx="1">
+            <a:schemeClr val="accent1"/>
+          </a:fillRef>
+          <a:effectRef idx="0">
+            <a:schemeClr val="accent1"/>
+          </a:effectRef>
+          <a:fontRef idx="minor">
+            <a:schemeClr val="lt1"/>
+          </a:fontRef>
+        </p:style>
+        <p:txBody>
+          <a:bodyPr rtlCol="0" anchor="ctr"/>
+          <a:lstStyle/>
+          <a:p>
+            <a:pPr algn="ctr"/>
+            <a:r>
+              <a:rPr lang="en-US" altLang="zh-CN" sz="1600" dirty="0"/>
+              <a:t>Internal</a:t>
+            </a:r>
+            <a:r>
+              <a:rPr lang="zh-CN" altLang="en-US" sz="1600" dirty="0"/>
+              <a:t> </a:t>
+            </a:r>
+            <a:r>
+              <a:rPr lang="en-US" altLang="zh-CN" sz="1600" dirty="0"/>
+              <a:t>audit</a:t>
+            </a:r>
+            <a:endParaRPr lang="en-AU" sz="1600" dirty="0"/>
+          </a:p>
+        </p:txBody>
+      </p:sp>
+      <p:sp>
+        <p:nvSpPr>
+          <p:cNvPr id="10" name="Rectangle 9">
+            <a:extLst>
+              <a:ext uri="{FF2B5EF4-FFF2-40B4-BE49-F238E27FC236}">
+                <a16:creationId xmlns:a16="http://schemas.microsoft.com/office/drawing/2014/main" id="{15ED50E7-6141-4F40-988D-0193853C2547}"/>
+              </a:ext>
+            </a:extLst>
+          </p:cNvPr>
+          <p:cNvSpPr/>
+          <p:nvPr/>
+        </p:nvSpPr>
+        <p:spPr>
+          <a:xfrm>
+            <a:off x="4573214" y="3235027"/>
+            <a:ext cx="1367383" cy="914400"/>
+          </a:xfrm>
+          <a:prstGeom prst="rect">
+            <a:avLst/>
+          </a:prstGeom>
+        </p:spPr>
+        <p:style>
+          <a:lnRef idx="2">
+            <a:schemeClr val="accent1">
+              <a:shade val="50000"/>
+            </a:schemeClr>
+          </a:lnRef>
+          <a:fillRef idx="1">
+            <a:schemeClr val="accent1"/>
+          </a:fillRef>
+          <a:effectRef idx="0">
+            <a:schemeClr val="accent1"/>
+          </a:effectRef>
+          <a:fontRef idx="minor">
+            <a:schemeClr val="lt1"/>
+          </a:fontRef>
+        </p:style>
+        <p:txBody>
+          <a:bodyPr rtlCol="0" anchor="ctr"/>
+          <a:lstStyle/>
+          <a:p>
+            <a:pPr algn="ctr"/>
+            <a:r>
+              <a:rPr lang="en-US" altLang="zh-CN" sz="1400" dirty="0"/>
+              <a:t>Operate</a:t>
+            </a:r>
+            <a:r>
+              <a:rPr lang="zh-CN" altLang="en-US" sz="1400" dirty="0"/>
+              <a:t> </a:t>
+            </a:r>
+            <a:r>
+              <a:rPr lang="en-US" altLang="zh-CN" sz="1400" dirty="0"/>
+              <a:t>within</a:t>
+            </a:r>
+            <a:r>
+              <a:rPr lang="zh-CN" altLang="en-US" sz="1400" dirty="0"/>
+              <a:t> </a:t>
+            </a:r>
+            <a:r>
+              <a:rPr lang="en-US" altLang="zh-CN" sz="1400" dirty="0"/>
+              <a:t>the</a:t>
+            </a:r>
+            <a:r>
+              <a:rPr lang="zh-CN" altLang="en-US" sz="1400" dirty="0"/>
+              <a:t> </a:t>
+            </a:r>
+            <a:r>
+              <a:rPr lang="en-US" altLang="zh-CN" sz="1400" dirty="0"/>
+              <a:t>context</a:t>
+            </a:r>
+            <a:endParaRPr lang="en-AU" sz="1400" dirty="0"/>
+          </a:p>
+        </p:txBody>
+      </p:sp>
+      <p:sp>
+        <p:nvSpPr>
+          <p:cNvPr id="11" name="Rectangle 10">
+            <a:extLst>
+              <a:ext uri="{FF2B5EF4-FFF2-40B4-BE49-F238E27FC236}">
+                <a16:creationId xmlns:a16="http://schemas.microsoft.com/office/drawing/2014/main" id="{BD3E78FB-12F1-3545-86D0-062F9C1CEBE7}"/>
+              </a:ext>
+            </a:extLst>
+          </p:cNvPr>
+          <p:cNvSpPr/>
+          <p:nvPr/>
+        </p:nvSpPr>
+        <p:spPr>
+          <a:xfrm>
+            <a:off x="6516985" y="3235027"/>
+            <a:ext cx="1367383" cy="914400"/>
+          </a:xfrm>
+          <a:prstGeom prst="rect">
+            <a:avLst/>
+          </a:prstGeom>
+        </p:spPr>
+        <p:style>
+          <a:lnRef idx="2">
+            <a:schemeClr val="accent1">
+              <a:shade val="50000"/>
+            </a:schemeClr>
+          </a:lnRef>
+          <a:fillRef idx="1">
+            <a:schemeClr val="accent1"/>
+          </a:fillRef>
+          <a:effectRef idx="0">
+            <a:schemeClr val="accent1"/>
+          </a:effectRef>
+          <a:fontRef idx="minor">
+            <a:schemeClr val="lt1"/>
+          </a:fontRef>
+        </p:style>
+        <p:txBody>
+          <a:bodyPr rtlCol="0" anchor="ctr"/>
+          <a:lstStyle/>
+          <a:p>
+            <a:pPr algn="ctr"/>
+            <a:r>
+              <a:rPr lang="en-US" altLang="zh-CN" sz="1400" dirty="0"/>
+              <a:t>Inform</a:t>
+            </a:r>
+            <a:r>
+              <a:rPr lang="zh-CN" altLang="en-US" sz="1400" dirty="0"/>
+              <a:t> </a:t>
+            </a:r>
+            <a:r>
+              <a:rPr lang="en-US" altLang="zh-CN" sz="1400" dirty="0"/>
+              <a:t>when</a:t>
+            </a:r>
+            <a:r>
+              <a:rPr lang="zh-CN" altLang="en-US" sz="1400" dirty="0"/>
+              <a:t> </a:t>
+            </a:r>
+            <a:r>
+              <a:rPr lang="en-US" altLang="zh-CN" sz="1400" dirty="0"/>
+              <a:t>risk</a:t>
+            </a:r>
+            <a:r>
+              <a:rPr lang="zh-CN" altLang="en-US" sz="1400" dirty="0"/>
+              <a:t> </a:t>
+            </a:r>
+            <a:r>
+              <a:rPr lang="en-US" altLang="zh-CN" sz="1400" dirty="0"/>
+              <a:t>outweigh</a:t>
+            </a:r>
+            <a:r>
+              <a:rPr lang="zh-CN" altLang="en-US" sz="1400" dirty="0"/>
+              <a:t> </a:t>
+            </a:r>
+            <a:r>
+              <a:rPr lang="en-US" altLang="zh-CN" sz="1400" dirty="0"/>
+              <a:t>the</a:t>
+            </a:r>
+            <a:r>
+              <a:rPr lang="zh-CN" altLang="en-US" sz="1400" dirty="0"/>
+              <a:t> </a:t>
+            </a:r>
+            <a:r>
+              <a:rPr lang="en-US" altLang="zh-CN" sz="1400" dirty="0"/>
+              <a:t>benefits</a:t>
+            </a:r>
+            <a:endParaRPr lang="en-AU" sz="1400" dirty="0"/>
+          </a:p>
+        </p:txBody>
+      </p:sp>
+      <p:cxnSp>
+        <p:nvCxnSpPr>
+          <p:cNvPr id="13" name="Straight Arrow Connector 12">
+            <a:extLst>
+              <a:ext uri="{FF2B5EF4-FFF2-40B4-BE49-F238E27FC236}">
+                <a16:creationId xmlns:a16="http://schemas.microsoft.com/office/drawing/2014/main" id="{1EBFE4D4-5D91-644A-A3C4-2527B911D3F2}"/>
+              </a:ext>
+            </a:extLst>
+          </p:cNvPr>
+          <p:cNvCxnSpPr>
+            <a:cxnSpLocks/>
+            <a:stCxn id="5" idx="2"/>
+            <a:endCxn id="7" idx="0"/>
+          </p:cNvCxnSpPr>
+          <p:nvPr/>
+        </p:nvCxnSpPr>
+        <p:spPr>
+          <a:xfrm flipH="1">
+            <a:off x="1800076" y="2903240"/>
+            <a:ext cx="1007728" cy="331787"/>
+          </a:xfrm>
+          <a:prstGeom prst="straightConnector1">
+            <a:avLst/>
+          </a:prstGeom>
+          <a:ln>
+            <a:tailEnd type="triangle"/>
+          </a:ln>
+        </p:spPr>
+        <p:style>
+          <a:lnRef idx="1">
+            <a:schemeClr val="accent1"/>
+          </a:lnRef>
+          <a:fillRef idx="0">
+            <a:schemeClr val="accent1"/>
+          </a:fillRef>
+          <a:effectRef idx="0">
+            <a:schemeClr val="accent1"/>
+          </a:effectRef>
+          <a:fontRef idx="minor">
+            <a:schemeClr val="tx1"/>
+          </a:fontRef>
+        </p:style>
+      </p:cxnSp>
+      <p:cxnSp>
+        <p:nvCxnSpPr>
+          <p:cNvPr id="15" name="Straight Arrow Connector 14">
+            <a:extLst>
+              <a:ext uri="{FF2B5EF4-FFF2-40B4-BE49-F238E27FC236}">
+                <a16:creationId xmlns:a16="http://schemas.microsoft.com/office/drawing/2014/main" id="{CA726A72-32DD-AC46-A1FA-920059DAC180}"/>
+              </a:ext>
+            </a:extLst>
+          </p:cNvPr>
+          <p:cNvCxnSpPr>
+            <a:cxnSpLocks/>
+            <a:stCxn id="5" idx="2"/>
+          </p:cNvCxnSpPr>
+          <p:nvPr/>
+        </p:nvCxnSpPr>
+        <p:spPr>
+          <a:xfrm>
+            <a:off x="2807804" y="2903240"/>
+            <a:ext cx="1075926" cy="331787"/>
+          </a:xfrm>
+          <a:prstGeom prst="straightConnector1">
+            <a:avLst/>
+          </a:prstGeom>
+          <a:ln>
+            <a:tailEnd type="triangle"/>
+          </a:ln>
+        </p:spPr>
+        <p:style>
+          <a:lnRef idx="1">
+            <a:schemeClr val="accent1"/>
+          </a:lnRef>
+          <a:fillRef idx="0">
+            <a:schemeClr val="accent1"/>
+          </a:fillRef>
+          <a:effectRef idx="0">
+            <a:schemeClr val="accent1"/>
+          </a:effectRef>
+          <a:fontRef idx="minor">
+            <a:schemeClr val="tx1"/>
+          </a:fontRef>
+        </p:style>
+      </p:cxnSp>
+      <p:cxnSp>
+        <p:nvCxnSpPr>
+          <p:cNvPr id="17" name="Straight Arrow Connector 16">
+            <a:extLst>
+              <a:ext uri="{FF2B5EF4-FFF2-40B4-BE49-F238E27FC236}">
+                <a16:creationId xmlns:a16="http://schemas.microsoft.com/office/drawing/2014/main" id="{EDE82F3B-AF55-2F49-B3C4-72C32BD56F1B}"/>
+              </a:ext>
+            </a:extLst>
+          </p:cNvPr>
+          <p:cNvCxnSpPr>
+            <a:cxnSpLocks/>
+            <a:stCxn id="9" idx="2"/>
+            <a:endCxn id="10" idx="0"/>
+          </p:cNvCxnSpPr>
+          <p:nvPr/>
+        </p:nvCxnSpPr>
+        <p:spPr>
+          <a:xfrm flipH="1">
+            <a:off x="5256906" y="2903240"/>
+            <a:ext cx="987511" cy="331787"/>
+          </a:xfrm>
+          <a:prstGeom prst="straightConnector1">
+            <a:avLst/>
+          </a:prstGeom>
+          <a:ln>
+            <a:tailEnd type="triangle"/>
+          </a:ln>
+        </p:spPr>
+        <p:style>
+          <a:lnRef idx="1">
+            <a:schemeClr val="accent1"/>
+          </a:lnRef>
+          <a:fillRef idx="0">
+            <a:schemeClr val="accent1"/>
+          </a:fillRef>
+          <a:effectRef idx="0">
+            <a:schemeClr val="accent1"/>
+          </a:effectRef>
+          <a:fontRef idx="minor">
+            <a:schemeClr val="tx1"/>
+          </a:fontRef>
+        </p:style>
+      </p:cxnSp>
+      <p:cxnSp>
+        <p:nvCxnSpPr>
+          <p:cNvPr id="19" name="Straight Arrow Connector 18">
+            <a:extLst>
+              <a:ext uri="{FF2B5EF4-FFF2-40B4-BE49-F238E27FC236}">
+                <a16:creationId xmlns:a16="http://schemas.microsoft.com/office/drawing/2014/main" id="{BBEA75F1-10A5-654E-AE47-28F11F6FB1D7}"/>
+              </a:ext>
+            </a:extLst>
+          </p:cNvPr>
+          <p:cNvCxnSpPr>
+            <a:cxnSpLocks/>
+            <a:stCxn id="9" idx="2"/>
+            <a:endCxn id="11" idx="0"/>
+          </p:cNvCxnSpPr>
+          <p:nvPr/>
+        </p:nvCxnSpPr>
+        <p:spPr>
+          <a:xfrm>
+            <a:off x="6244417" y="2903240"/>
+            <a:ext cx="956260" cy="331787"/>
+          </a:xfrm>
+          <a:prstGeom prst="straightConnector1">
+            <a:avLst/>
+          </a:prstGeom>
+          <a:ln>
+            <a:tailEnd type="triangle"/>
+          </a:ln>
+        </p:spPr>
+        <p:style>
+          <a:lnRef idx="1">
+            <a:schemeClr val="accent1"/>
+          </a:lnRef>
+          <a:fillRef idx="0">
+            <a:schemeClr val="accent1"/>
+          </a:fillRef>
+          <a:effectRef idx="0">
+            <a:schemeClr val="accent1"/>
+          </a:effectRef>
+          <a:fontRef idx="minor">
+            <a:schemeClr val="tx1"/>
+          </a:fontRef>
+        </p:style>
+      </p:cxnSp>
     </p:spTree>
     <p:extLst>
       <p:ext uri="{BB962C8B-B14F-4D97-AF65-F5344CB8AC3E}">
@@ -5710,7 +8471,7 @@
             </a:r>
             <a:r>
               <a:rPr lang="en-US" altLang="zh-CN" dirty="0"/>
-              <a:t>Remarkable</a:t>
+              <a:t>remarkable</a:t>
             </a:r>
             <a:r>
               <a:rPr lang="zh-CN" altLang="en-US" dirty="0"/>
@@ -5949,7 +8710,7 @@
             </a:r>
             <a:r>
               <a:rPr lang="en-US" altLang="zh-CN" dirty="0"/>
-              <a:t>Vulnerability</a:t>
+              <a:t>vulnerability</a:t>
             </a:r>
             <a:endParaRPr lang="en-AU" dirty="0"/>
           </a:p>
